--- a/L06_PoleKolekce/01_UvodniPrezentace.pptx
+++ b/L06_PoleKolekce/01_UvodniPrezentace.pptx
@@ -5,18 +5,11 @@
     <p:sldMasterId id="2147483713" r:id="rId1"/>
   </p:sldMasterIdLst>
   <p:notesMasterIdLst>
-    <p:notesMasterId r:id="rId11"/>
+    <p:notesMasterId r:id="rId4"/>
   </p:notesMasterIdLst>
   <p:sldIdLst>
     <p:sldId id="256" r:id="rId2"/>
     <p:sldId id="259" r:id="rId3"/>
-    <p:sldId id="260" r:id="rId4"/>
-    <p:sldId id="261" r:id="rId5"/>
-    <p:sldId id="264" r:id="rId6"/>
-    <p:sldId id="262" r:id="rId7"/>
-    <p:sldId id="265" r:id="rId8"/>
-    <p:sldId id="263" r:id="rId9"/>
-    <p:sldId id="266" r:id="rId10"/>
   </p:sldIdLst>
   <p:sldSz cx="12192000" cy="6858000"/>
   <p:notesSz cx="6858000" cy="9144000"/>
@@ -133,6 +126,45 @@
 
 <file path=ppt/changesInfos/changesInfo1.xml><?xml version="1.0" encoding="utf-8"?>
 <pc:chgInfo xmlns:a="http://schemas.openxmlformats.org/drawingml/2006/main" xmlns:r="http://schemas.openxmlformats.org/officeDocument/2006/relationships" xmlns:ac="http://schemas.microsoft.com/office/drawing/2013/main/command" xmlns:pc="http://schemas.microsoft.com/office/powerpoint/2013/main/command">
+  <pc:docChgLst>
+    <pc:chgData name="Vondra, Marek" userId="60fdd6d5-81e3-4503-8214-0142ed4e7c7f" providerId="ADAL" clId="{124945B4-56F6-4C23-AA2B-06F52E4BC30A}"/>
+    <pc:docChg chg="modSld">
+      <pc:chgData name="Vondra, Marek" userId="60fdd6d5-81e3-4503-8214-0142ed4e7c7f" providerId="ADAL" clId="{124945B4-56F6-4C23-AA2B-06F52E4BC30A}" dt="2024-02-22T12:46:50.347" v="189" actId="207"/>
+      <pc:docMkLst>
+        <pc:docMk/>
+      </pc:docMkLst>
+      <pc:sldChg chg="modSp mod">
+        <pc:chgData name="Vondra, Marek" userId="60fdd6d5-81e3-4503-8214-0142ed4e7c7f" providerId="ADAL" clId="{124945B4-56F6-4C23-AA2B-06F52E4BC30A}" dt="2024-02-22T12:44:54.751" v="0" actId="20577"/>
+        <pc:sldMkLst>
+          <pc:docMk/>
+          <pc:sldMk cId="1691071407" sldId="256"/>
+        </pc:sldMkLst>
+        <pc:spChg chg="mod">
+          <ac:chgData name="Vondra, Marek" userId="60fdd6d5-81e3-4503-8214-0142ed4e7c7f" providerId="ADAL" clId="{124945B4-56F6-4C23-AA2B-06F52E4BC30A}" dt="2024-02-22T12:44:54.751" v="0" actId="20577"/>
+          <ac:spMkLst>
+            <pc:docMk/>
+            <pc:sldMk cId="1691071407" sldId="256"/>
+            <ac:spMk id="4" creationId="{0975871F-653F-7C24-2F95-B0F85356360C}"/>
+          </ac:spMkLst>
+        </pc:spChg>
+      </pc:sldChg>
+      <pc:sldChg chg="modSp mod">
+        <pc:chgData name="Vondra, Marek" userId="60fdd6d5-81e3-4503-8214-0142ed4e7c7f" providerId="ADAL" clId="{124945B4-56F6-4C23-AA2B-06F52E4BC30A}" dt="2024-02-22T12:46:50.347" v="189" actId="207"/>
+        <pc:sldMkLst>
+          <pc:docMk/>
+          <pc:sldMk cId="2278947672" sldId="259"/>
+        </pc:sldMkLst>
+        <pc:spChg chg="mod">
+          <ac:chgData name="Vondra, Marek" userId="60fdd6d5-81e3-4503-8214-0142ed4e7c7f" providerId="ADAL" clId="{124945B4-56F6-4C23-AA2B-06F52E4BC30A}" dt="2024-02-22T12:46:50.347" v="189" actId="207"/>
+          <ac:spMkLst>
+            <pc:docMk/>
+            <pc:sldMk cId="2278947672" sldId="259"/>
+            <ac:spMk id="5" creationId="{DCD1D5DF-1B54-42C7-9E2D-B726C87F069E}"/>
+          </ac:spMkLst>
+        </pc:spChg>
+      </pc:sldChg>
+    </pc:docChg>
+  </pc:docChgLst>
   <pc:docChgLst>
     <pc:chgData name="Vondra, Marek" userId="60fdd6d5-81e3-4503-8214-0142ed4e7c7f" providerId="ADAL" clId="{10A4A5D3-0931-42F5-A28D-50D6118A99EE}"/>
     <pc:docChg chg="undo custSel addSld modSld sldOrd">
@@ -566,45 +598,6 @@
       </pc:sldChg>
     </pc:docChg>
   </pc:docChgLst>
-  <pc:docChgLst>
-    <pc:chgData name="Vondra, Marek" userId="60fdd6d5-81e3-4503-8214-0142ed4e7c7f" providerId="ADAL" clId="{124945B4-56F6-4C23-AA2B-06F52E4BC30A}"/>
-    <pc:docChg chg="modSld">
-      <pc:chgData name="Vondra, Marek" userId="60fdd6d5-81e3-4503-8214-0142ed4e7c7f" providerId="ADAL" clId="{124945B4-56F6-4C23-AA2B-06F52E4BC30A}" dt="2024-02-22T12:46:50.347" v="189" actId="207"/>
-      <pc:docMkLst>
-        <pc:docMk/>
-      </pc:docMkLst>
-      <pc:sldChg chg="modSp mod">
-        <pc:chgData name="Vondra, Marek" userId="60fdd6d5-81e3-4503-8214-0142ed4e7c7f" providerId="ADAL" clId="{124945B4-56F6-4C23-AA2B-06F52E4BC30A}" dt="2024-02-22T12:44:54.751" v="0" actId="20577"/>
-        <pc:sldMkLst>
-          <pc:docMk/>
-          <pc:sldMk cId="1691071407" sldId="256"/>
-        </pc:sldMkLst>
-        <pc:spChg chg="mod">
-          <ac:chgData name="Vondra, Marek" userId="60fdd6d5-81e3-4503-8214-0142ed4e7c7f" providerId="ADAL" clId="{124945B4-56F6-4C23-AA2B-06F52E4BC30A}" dt="2024-02-22T12:44:54.751" v="0" actId="20577"/>
-          <ac:spMkLst>
-            <pc:docMk/>
-            <pc:sldMk cId="1691071407" sldId="256"/>
-            <ac:spMk id="4" creationId="{0975871F-653F-7C24-2F95-B0F85356360C}"/>
-          </ac:spMkLst>
-        </pc:spChg>
-      </pc:sldChg>
-      <pc:sldChg chg="modSp mod">
-        <pc:chgData name="Vondra, Marek" userId="60fdd6d5-81e3-4503-8214-0142ed4e7c7f" providerId="ADAL" clId="{124945B4-56F6-4C23-AA2B-06F52E4BC30A}" dt="2024-02-22T12:46:50.347" v="189" actId="207"/>
-        <pc:sldMkLst>
-          <pc:docMk/>
-          <pc:sldMk cId="2278947672" sldId="259"/>
-        </pc:sldMkLst>
-        <pc:spChg chg="mod">
-          <ac:chgData name="Vondra, Marek" userId="60fdd6d5-81e3-4503-8214-0142ed4e7c7f" providerId="ADAL" clId="{124945B4-56F6-4C23-AA2B-06F52E4BC30A}" dt="2024-02-22T12:46:50.347" v="189" actId="207"/>
-          <ac:spMkLst>
-            <pc:docMk/>
-            <pc:sldMk cId="2278947672" sldId="259"/>
-            <ac:spMk id="5" creationId="{DCD1D5DF-1B54-42C7-9E2D-B726C87F069E}"/>
-          </ac:spMkLst>
-        </pc:spChg>
-      </pc:sldChg>
-    </pc:docChg>
-  </pc:docChgLst>
 </pc:chgInfo>
 </file>
 
@@ -690,7 +683,7 @@
           <a:p>
             <a:fld id="{A1B5911F-7C49-4E4E-AF13-219F87B878F4}" type="datetimeFigureOut">
               <a:rPr lang="de-DE" smtClean="0"/>
-              <a:t>22.02.2024</a:t>
+              <a:t>06.11.2025</a:t>
             </a:fld>
             <a:endParaRPr lang="de-DE"/>
           </a:p>
@@ -957,258 +950,6 @@
 </p:notesMaster>
 </file>
 
-<file path=ppt/notesSlides/notesSlide1.xml><?xml version="1.0" encoding="utf-8"?>
-<p:notes xmlns:a="http://schemas.openxmlformats.org/drawingml/2006/main" xmlns:r="http://schemas.openxmlformats.org/officeDocument/2006/relationships" xmlns:p="http://schemas.openxmlformats.org/presentationml/2006/main">
-  <p:cSld>
-    <p:spTree>
-      <p:nvGrpSpPr>
-        <p:cNvPr id="1" name=""/>
-        <p:cNvGrpSpPr/>
-        <p:nvPr/>
-      </p:nvGrpSpPr>
-      <p:grpSpPr>
-        <a:xfrm>
-          <a:off x="0" y="0"/>
-          <a:ext cx="0" cy="0"/>
-          <a:chOff x="0" y="0"/>
-          <a:chExt cx="0" cy="0"/>
-        </a:xfrm>
-      </p:grpSpPr>
-      <p:sp>
-        <p:nvSpPr>
-          <p:cNvPr id="2" name="Folienbildplatzhalter 1"/>
-          <p:cNvSpPr>
-            <a:spLocks noGrp="1" noRot="1" noChangeAspect="1"/>
-          </p:cNvSpPr>
-          <p:nvPr>
-            <p:ph type="sldImg"/>
-          </p:nvPr>
-        </p:nvSpPr>
-        <p:spPr/>
-      </p:sp>
-      <p:sp>
-        <p:nvSpPr>
-          <p:cNvPr id="3" name="Notizenplatzhalter 2"/>
-          <p:cNvSpPr>
-            <a:spLocks noGrp="1"/>
-          </p:cNvSpPr>
-          <p:nvPr>
-            <p:ph type="body" idx="1"/>
-          </p:nvPr>
-        </p:nvSpPr>
-        <p:spPr/>
-        <p:txBody>
-          <a:bodyPr/>
-          <a:lstStyle/>
-          <a:p>
-            <a:endParaRPr lang="de-DE" dirty="0"/>
-          </a:p>
-        </p:txBody>
-      </p:sp>
-      <p:sp>
-        <p:nvSpPr>
-          <p:cNvPr id="4" name="Foliennummernplatzhalter 3"/>
-          <p:cNvSpPr>
-            <a:spLocks noGrp="1"/>
-          </p:cNvSpPr>
-          <p:nvPr>
-            <p:ph type="sldNum" sz="quarter" idx="5"/>
-          </p:nvPr>
-        </p:nvSpPr>
-        <p:spPr/>
-        <p:txBody>
-          <a:bodyPr/>
-          <a:lstStyle/>
-          <a:p>
-            <a:fld id="{852E70D7-C365-4D7A-B971-3DEF5DF4FA32}" type="slidenum">
-              <a:rPr lang="de-DE" smtClean="0"/>
-              <a:t>4</a:t>
-            </a:fld>
-            <a:endParaRPr lang="de-DE"/>
-          </a:p>
-        </p:txBody>
-      </p:sp>
-    </p:spTree>
-    <p:extLst>
-      <p:ext uri="{BB962C8B-B14F-4D97-AF65-F5344CB8AC3E}">
-        <p14:creationId xmlns:p14="http://schemas.microsoft.com/office/powerpoint/2010/main" val="2690262090"/>
-      </p:ext>
-    </p:extLst>
-  </p:cSld>
-  <p:clrMapOvr>
-    <a:masterClrMapping/>
-  </p:clrMapOvr>
-</p:notes>
-</file>
-
-<file path=ppt/notesSlides/notesSlide2.xml><?xml version="1.0" encoding="utf-8"?>
-<p:notes xmlns:a="http://schemas.openxmlformats.org/drawingml/2006/main" xmlns:r="http://schemas.openxmlformats.org/officeDocument/2006/relationships" xmlns:p="http://schemas.openxmlformats.org/presentationml/2006/main">
-  <p:cSld>
-    <p:spTree>
-      <p:nvGrpSpPr>
-        <p:cNvPr id="1" name=""/>
-        <p:cNvGrpSpPr/>
-        <p:nvPr/>
-      </p:nvGrpSpPr>
-      <p:grpSpPr>
-        <a:xfrm>
-          <a:off x="0" y="0"/>
-          <a:ext cx="0" cy="0"/>
-          <a:chOff x="0" y="0"/>
-          <a:chExt cx="0" cy="0"/>
-        </a:xfrm>
-      </p:grpSpPr>
-      <p:sp>
-        <p:nvSpPr>
-          <p:cNvPr id="2" name="Folienbildplatzhalter 1"/>
-          <p:cNvSpPr>
-            <a:spLocks noGrp="1" noRot="1" noChangeAspect="1"/>
-          </p:cNvSpPr>
-          <p:nvPr>
-            <p:ph type="sldImg"/>
-          </p:nvPr>
-        </p:nvSpPr>
-        <p:spPr/>
-      </p:sp>
-      <p:sp>
-        <p:nvSpPr>
-          <p:cNvPr id="3" name="Notizenplatzhalter 2"/>
-          <p:cNvSpPr>
-            <a:spLocks noGrp="1"/>
-          </p:cNvSpPr>
-          <p:nvPr>
-            <p:ph type="body" idx="1"/>
-          </p:nvPr>
-        </p:nvSpPr>
-        <p:spPr/>
-        <p:txBody>
-          <a:bodyPr/>
-          <a:lstStyle/>
-          <a:p>
-            <a:endParaRPr lang="de-DE" dirty="0"/>
-          </a:p>
-        </p:txBody>
-      </p:sp>
-      <p:sp>
-        <p:nvSpPr>
-          <p:cNvPr id="4" name="Foliennummernplatzhalter 3"/>
-          <p:cNvSpPr>
-            <a:spLocks noGrp="1"/>
-          </p:cNvSpPr>
-          <p:nvPr>
-            <p:ph type="sldNum" sz="quarter" idx="5"/>
-          </p:nvPr>
-        </p:nvSpPr>
-        <p:spPr/>
-        <p:txBody>
-          <a:bodyPr/>
-          <a:lstStyle/>
-          <a:p>
-            <a:fld id="{852E70D7-C365-4D7A-B971-3DEF5DF4FA32}" type="slidenum">
-              <a:rPr lang="de-DE" smtClean="0"/>
-              <a:t>5</a:t>
-            </a:fld>
-            <a:endParaRPr lang="de-DE"/>
-          </a:p>
-        </p:txBody>
-      </p:sp>
-    </p:spTree>
-    <p:extLst>
-      <p:ext uri="{BB962C8B-B14F-4D97-AF65-F5344CB8AC3E}">
-        <p14:creationId xmlns:p14="http://schemas.microsoft.com/office/powerpoint/2010/main" val="2113933052"/>
-      </p:ext>
-    </p:extLst>
-  </p:cSld>
-  <p:clrMapOvr>
-    <a:masterClrMapping/>
-  </p:clrMapOvr>
-</p:notes>
-</file>
-
-<file path=ppt/notesSlides/notesSlide3.xml><?xml version="1.0" encoding="utf-8"?>
-<p:notes xmlns:a="http://schemas.openxmlformats.org/drawingml/2006/main" xmlns:r="http://schemas.openxmlformats.org/officeDocument/2006/relationships" xmlns:p="http://schemas.openxmlformats.org/presentationml/2006/main">
-  <p:cSld>
-    <p:spTree>
-      <p:nvGrpSpPr>
-        <p:cNvPr id="1" name=""/>
-        <p:cNvGrpSpPr/>
-        <p:nvPr/>
-      </p:nvGrpSpPr>
-      <p:grpSpPr>
-        <a:xfrm>
-          <a:off x="0" y="0"/>
-          <a:ext cx="0" cy="0"/>
-          <a:chOff x="0" y="0"/>
-          <a:chExt cx="0" cy="0"/>
-        </a:xfrm>
-      </p:grpSpPr>
-      <p:sp>
-        <p:nvSpPr>
-          <p:cNvPr id="2" name="Folienbildplatzhalter 1"/>
-          <p:cNvSpPr>
-            <a:spLocks noGrp="1" noRot="1" noChangeAspect="1"/>
-          </p:cNvSpPr>
-          <p:nvPr>
-            <p:ph type="sldImg"/>
-          </p:nvPr>
-        </p:nvSpPr>
-        <p:spPr/>
-      </p:sp>
-      <p:sp>
-        <p:nvSpPr>
-          <p:cNvPr id="3" name="Notizenplatzhalter 2"/>
-          <p:cNvSpPr>
-            <a:spLocks noGrp="1"/>
-          </p:cNvSpPr>
-          <p:nvPr>
-            <p:ph type="body" idx="1"/>
-          </p:nvPr>
-        </p:nvSpPr>
-        <p:spPr/>
-        <p:txBody>
-          <a:bodyPr/>
-          <a:lstStyle/>
-          <a:p>
-            <a:endParaRPr lang="de-DE" dirty="0"/>
-          </a:p>
-        </p:txBody>
-      </p:sp>
-      <p:sp>
-        <p:nvSpPr>
-          <p:cNvPr id="4" name="Foliennummernplatzhalter 3"/>
-          <p:cNvSpPr>
-            <a:spLocks noGrp="1"/>
-          </p:cNvSpPr>
-          <p:nvPr>
-            <p:ph type="sldNum" sz="quarter" idx="5"/>
-          </p:nvPr>
-        </p:nvSpPr>
-        <p:spPr/>
-        <p:txBody>
-          <a:bodyPr/>
-          <a:lstStyle/>
-          <a:p>
-            <a:fld id="{852E70D7-C365-4D7A-B971-3DEF5DF4FA32}" type="slidenum">
-              <a:rPr lang="de-DE" smtClean="0"/>
-              <a:t>9</a:t>
-            </a:fld>
-            <a:endParaRPr lang="de-DE"/>
-          </a:p>
-        </p:txBody>
-      </p:sp>
-    </p:spTree>
-    <p:extLst>
-      <p:ext uri="{BB962C8B-B14F-4D97-AF65-F5344CB8AC3E}">
-        <p14:creationId xmlns:p14="http://schemas.microsoft.com/office/powerpoint/2010/main" val="379112059"/>
-      </p:ext>
-    </p:extLst>
-  </p:cSld>
-  <p:clrMapOvr>
-    <a:masterClrMapping/>
-  </p:clrMapOvr>
-</p:notes>
-</file>
-
 <file path=ppt/slideLayouts/slideLayout1.xml><?xml version="1.0" encoding="utf-8"?>
 <p:sldLayout xmlns:a="http://schemas.openxmlformats.org/drawingml/2006/main" xmlns:r="http://schemas.openxmlformats.org/officeDocument/2006/relationships" xmlns:p="http://schemas.openxmlformats.org/presentationml/2006/main" showMasterSp="0" type="title" preserve="1">
   <p:cSld name="Titelfolie">
@@ -1435,7 +1176,7 @@
           <a:p>
             <a:fld id="{422D7498-AF4D-40C9-A69F-B3D88E543B66}" type="datetimeFigureOut">
               <a:rPr lang="de-DE" smtClean="0"/>
-              <a:t>22.02.2024</a:t>
+              <a:t>06.11.2025</a:t>
             </a:fld>
             <a:endParaRPr lang="de-DE"/>
           </a:p>
@@ -1643,7 +1384,7 @@
           <a:p>
             <a:fld id="{422D7498-AF4D-40C9-A69F-B3D88E543B66}" type="datetimeFigureOut">
               <a:rPr lang="de-DE" smtClean="0"/>
-              <a:t>22.02.2024</a:t>
+              <a:t>06.11.2025</a:t>
             </a:fld>
             <a:endParaRPr lang="de-DE"/>
           </a:p>
@@ -1899,7 +1640,7 @@
           <a:p>
             <a:fld id="{422D7498-AF4D-40C9-A69F-B3D88E543B66}" type="datetimeFigureOut">
               <a:rPr lang="de-DE" smtClean="0"/>
-              <a:t>22.02.2024</a:t>
+              <a:t>06.11.2025</a:t>
             </a:fld>
             <a:endParaRPr lang="de-DE"/>
           </a:p>
@@ -2073,7 +1814,7 @@
           <a:p>
             <a:fld id="{422D7498-AF4D-40C9-A69F-B3D88E543B66}" type="datetimeFigureOut">
               <a:rPr lang="de-DE" smtClean="0"/>
-              <a:t>22.02.2024</a:t>
+              <a:t>06.11.2025</a:t>
             </a:fld>
             <a:endParaRPr lang="de-DE"/>
           </a:p>
@@ -2463,7 +2204,7 @@
           <a:p>
             <a:fld id="{422D7498-AF4D-40C9-A69F-B3D88E543B66}" type="datetimeFigureOut">
               <a:rPr lang="de-DE" smtClean="0"/>
-              <a:t>22.02.2024</a:t>
+              <a:t>06.11.2025</a:t>
             </a:fld>
             <a:endParaRPr lang="de-DE"/>
           </a:p>
@@ -2738,7 +2479,7 @@
           <a:p>
             <a:fld id="{422D7498-AF4D-40C9-A69F-B3D88E543B66}" type="datetimeFigureOut">
               <a:rPr lang="de-DE" smtClean="0"/>
-              <a:t>22.02.2024</a:t>
+              <a:t>06.11.2025</a:t>
             </a:fld>
             <a:endParaRPr lang="de-DE"/>
           </a:p>
@@ -3122,7 +2863,7 @@
           <a:p>
             <a:fld id="{422D7498-AF4D-40C9-A69F-B3D88E543B66}" type="datetimeFigureOut">
               <a:rPr lang="de-DE" smtClean="0"/>
-              <a:t>22.02.2024</a:t>
+              <a:t>06.11.2025</a:t>
             </a:fld>
             <a:endParaRPr lang="de-DE"/>
           </a:p>
@@ -3245,7 +2986,7 @@
           <a:p>
             <a:fld id="{422D7498-AF4D-40C9-A69F-B3D88E543B66}" type="datetimeFigureOut">
               <a:rPr lang="de-DE" smtClean="0"/>
-              <a:t>22.02.2024</a:t>
+              <a:t>06.11.2025</a:t>
             </a:fld>
             <a:endParaRPr lang="de-DE"/>
           </a:p>
@@ -3416,7 +3157,7 @@
           <a:p>
             <a:fld id="{422D7498-AF4D-40C9-A69F-B3D88E543B66}" type="datetimeFigureOut">
               <a:rPr lang="de-DE" smtClean="0"/>
-              <a:t>22.02.2024</a:t>
+              <a:t>06.11.2025</a:t>
             </a:fld>
             <a:endParaRPr lang="de-DE"/>
           </a:p>
@@ -3770,7 +3511,7 @@
           <a:p>
             <a:fld id="{422D7498-AF4D-40C9-A69F-B3D88E543B66}" type="datetimeFigureOut">
               <a:rPr lang="de-DE" smtClean="0"/>
-              <a:t>22.02.2024</a:t>
+              <a:t>06.11.2025</a:t>
             </a:fld>
             <a:endParaRPr lang="de-DE"/>
           </a:p>
@@ -4157,7 +3898,7 @@
           <a:p>
             <a:fld id="{422D7498-AF4D-40C9-A69F-B3D88E543B66}" type="datetimeFigureOut">
               <a:rPr lang="de-DE" smtClean="0"/>
-              <a:t>22.02.2024</a:t>
+              <a:t>06.11.2025</a:t>
             </a:fld>
             <a:endParaRPr lang="de-DE"/>
           </a:p>
@@ -4444,7 +4185,7 @@
           <a:p>
             <a:fld id="{422D7498-AF4D-40C9-A69F-B3D88E543B66}" type="datetimeFigureOut">
               <a:rPr lang="de-DE" smtClean="0"/>
-              <a:t>22.02.2024</a:t>
+              <a:t>06.11.2025</a:t>
             </a:fld>
             <a:endParaRPr lang="de-DE"/>
           </a:p>
@@ -5087,7 +4828,7 @@
         <p:spPr bwMode="auto">
           <a:xfrm>
             <a:off x="184661" y="181079"/>
-            <a:ext cx="2468506" cy="659785"/>
+            <a:ext cx="1301398" cy="347839"/>
           </a:xfrm>
           <a:prstGeom prst="rect">
             <a:avLst/>
@@ -5118,7 +4859,7 @@
         </p:nvSpPr>
         <p:spPr>
           <a:xfrm>
-            <a:off x="1013011" y="2796988"/>
+            <a:off x="1013011" y="2895604"/>
             <a:ext cx="10067943" cy="1446550"/>
           </a:xfrm>
           <a:prstGeom prst="rect">
@@ -5134,7 +4875,7 @@
           <a:p>
             <a:pPr algn="ctr"/>
             <a:r>
-              <a:rPr lang="de-DE" sz="8800" dirty="0">
+              <a:rPr lang="pl-PL" sz="8800" dirty="0">
                 <a:ln w="0"/>
                 <a:gradFill>
                   <a:gsLst>
@@ -5159,35 +4900,7 @@
                   <a:reflection blurRad="6350" stA="53000" endA="300" endPos="35500" dir="5400000" sy="-90000" algn="bl" rotWithShape="0"/>
                 </a:effectLst>
               </a:rPr>
-              <a:t>Pole a </a:t>
-            </a:r>
-            <a:r>
-              <a:rPr lang="de-DE" sz="8800" dirty="0" err="1">
-                <a:ln w="0"/>
-                <a:gradFill>
-                  <a:gsLst>
-                    <a:gs pos="0">
-                      <a:schemeClr val="accent5">
-                        <a:lumMod val="50000"/>
-                      </a:schemeClr>
-                    </a:gs>
-                    <a:gs pos="50000">
-                      <a:schemeClr val="accent5"/>
-                    </a:gs>
-                    <a:gs pos="100000">
-                      <a:schemeClr val="accent5">
-                        <a:lumMod val="60000"/>
-                        <a:lumOff val="40000"/>
-                      </a:schemeClr>
-                    </a:gs>
-                  </a:gsLst>
-                  <a:lin ang="5400000"/>
-                </a:gradFill>
-                <a:effectLst>
-                  <a:reflection blurRad="6350" stA="53000" endA="300" endPos="35500" dir="5400000" sy="-90000" algn="bl" rotWithShape="0"/>
-                </a:effectLst>
-              </a:rPr>
-              <a:t>kolekce</a:t>
+              <a:t>Od pole ke streamu</a:t>
             </a:r>
             <a:endParaRPr lang="de-DE" sz="8800" dirty="0">
               <a:ln w="0"/>
@@ -5750,8 +5463,68 @@
             <a:fld id="{6BE09D2B-9502-49EB-9A38-B930AD43DC9A}" type="datetime1">
               <a:rPr lang="de-DE" smtClean="0"/>
               <a:pPr algn="l"/>
-              <a:t>22.02.2024</a:t>
+              <a:t>06.11.2025</a:t>
             </a:fld>
+            <a:endParaRPr lang="de-DE" dirty="0"/>
+          </a:p>
+        </p:txBody>
+      </p:sp>
+      <p:sp>
+        <p:nvSpPr>
+          <p:cNvPr id="7" name="Textfeld 6">
+            <a:extLst>
+              <a:ext uri="{FF2B5EF4-FFF2-40B4-BE49-F238E27FC236}">
+                <a16:creationId xmlns:a16="http://schemas.microsoft.com/office/drawing/2014/main" id="{52D0FE8D-6DB4-FB5B-1E09-62BA9054677E}"/>
+              </a:ext>
+            </a:extLst>
+          </p:cNvPr>
+          <p:cNvSpPr txBox="1"/>
+          <p:nvPr/>
+        </p:nvSpPr>
+        <p:spPr>
+          <a:xfrm>
+            <a:off x="7718612" y="4356492"/>
+            <a:ext cx="3362342" cy="369332"/>
+          </a:xfrm>
+          <a:prstGeom prst="rect">
+            <a:avLst/>
+          </a:prstGeom>
+          <a:noFill/>
+        </p:spPr>
+        <p:txBody>
+          <a:bodyPr wrap="square">
+            <a:spAutoFit/>
+          </a:bodyPr>
+          <a:lstStyle/>
+          <a:p>
+            <a:r>
+              <a:rPr lang="pl-PL" sz="1800" dirty="0">
+                <a:ln w="0"/>
+                <a:gradFill>
+                  <a:gsLst>
+                    <a:gs pos="0">
+                      <a:schemeClr val="accent5">
+                        <a:lumMod val="50000"/>
+                      </a:schemeClr>
+                    </a:gs>
+                    <a:gs pos="50000">
+                      <a:schemeClr val="accent5"/>
+                    </a:gs>
+                    <a:gs pos="100000">
+                      <a:schemeClr val="accent5">
+                        <a:lumMod val="60000"/>
+                        <a:lumOff val="40000"/>
+                      </a:schemeClr>
+                    </a:gs>
+                  </a:gsLst>
+                  <a:lin ang="5400000"/>
+                </a:gradFill>
+                <a:effectLst>
+                  <a:reflection blurRad="6350" stA="53000" endA="300" endPos="35500" dir="5400000" sy="-90000" algn="bl" rotWithShape="0"/>
+                </a:effectLst>
+              </a:rPr>
+              <a:t>moderní práce s daty v Javě</a:t>
+            </a:r>
             <a:endParaRPr lang="de-DE" dirty="0"/>
           </a:p>
         </p:txBody>
@@ -5829,8 +5602,8 @@
         </p:nvSpPr>
         <p:spPr>
           <a:xfrm>
-            <a:off x="1097280" y="2071247"/>
-            <a:ext cx="8442374" cy="3785652"/>
+            <a:off x="1097279" y="2071247"/>
+            <a:ext cx="10700273" cy="3724096"/>
           </a:xfrm>
           <a:prstGeom prst="rect">
             <a:avLst/>
@@ -5873,7 +5646,7 @@
                   <a:srgbClr val="00B0F0"/>
                 </a:solidFill>
               </a:rPr>
-              <a:t>55</a:t>
+              <a:t>50</a:t>
             </a:r>
             <a:r>
               <a:rPr lang="cs-CZ" sz="2800" dirty="0">
@@ -5898,7 +5671,15 @@
           <a:p>
             <a:r>
               <a:rPr lang="en-US" sz="2000" dirty="0"/>
-              <a:t>	18:55 – 19:05 P</a:t>
+              <a:t>	18:55 – 19:</a:t>
+            </a:r>
+            <a:r>
+              <a:rPr lang="cs-CZ" sz="2000" dirty="0"/>
+              <a:t>10</a:t>
+            </a:r>
+            <a:r>
+              <a:rPr lang="en-US" sz="2000" dirty="0"/>
+              <a:t> P</a:t>
             </a:r>
             <a:r>
               <a:rPr lang="cs-CZ" sz="2000" dirty="0" err="1"/>
@@ -5916,39 +5697,7 @@
                   <a:srgbClr val="00B0F0"/>
                 </a:solidFill>
               </a:rPr>
-              <a:t>19:05 – 19:55 </a:t>
-            </a:r>
-            <a:r>
-              <a:rPr lang="en-US" sz="2800" dirty="0" err="1">
-                <a:solidFill>
-                  <a:srgbClr val="00B0F0"/>
-                </a:solidFill>
-              </a:rPr>
-              <a:t>Kolekce</a:t>
-            </a:r>
-            <a:r>
-              <a:rPr lang="en-US" sz="2800" dirty="0">
-                <a:solidFill>
-                  <a:srgbClr val="00B0F0"/>
-                </a:solidFill>
-              </a:rPr>
-              <a:t> (</a:t>
-            </a:r>
-            <a:r>
-              <a:rPr lang="en-US" sz="2800" dirty="0" err="1">
-                <a:solidFill>
-                  <a:srgbClr val="00B0F0"/>
-                </a:solidFill>
-              </a:rPr>
-              <a:t>ArrayList</a:t>
-            </a:r>
-            <a:r>
-              <a:rPr lang="en-US" sz="2800" dirty="0">
-                <a:solidFill>
-                  <a:srgbClr val="00B0F0"/>
-                </a:solidFill>
-              </a:rPr>
-              <a:t>, Map, Set)</a:t>
+              <a:t>19:05 – 19:50 ArrayList, LinkedList, Map, Set, Stack, Queue</a:t>
             </a:r>
             <a:endParaRPr lang="cs-CZ" sz="2800" dirty="0">
               <a:solidFill>
@@ -5982,7 +5731,15 @@
             </a:r>
             <a:r>
               <a:rPr lang="en-US" sz="2000" dirty="0"/>
-              <a:t>:05 P</a:t>
+              <a:t>:</a:t>
+            </a:r>
+            <a:r>
+              <a:rPr lang="cs-CZ" sz="2000" dirty="0"/>
+              <a:t>10</a:t>
+            </a:r>
+            <a:r>
+              <a:rPr lang="en-US" sz="2000" dirty="0"/>
+              <a:t> P</a:t>
             </a:r>
             <a:r>
               <a:rPr lang="cs-CZ" sz="2000" dirty="0" err="1"/>
@@ -6032,7 +5789,15 @@
                   <a:srgbClr val="00B0F0"/>
                 </a:solidFill>
               </a:rPr>
-              <a:t>Stream</a:t>
+              <a:t>Pou</a:t>
+            </a:r>
+            <a:r>
+              <a:rPr lang="cs-CZ" sz="2800" dirty="0">
+                <a:solidFill>
+                  <a:srgbClr val="00B0F0"/>
+                </a:solidFill>
+              </a:rPr>
+              <a:t>žití streamu</a:t>
             </a:r>
             <a:endParaRPr lang="de-DE" sz="2800" dirty="0">
               <a:solidFill>
@@ -6138,2664 +5903,6 @@
       <p:bldP spid="5" grpId="0"/>
     </p:bldLst>
   </p:timing>
-</p:sld>
-</file>
-
-<file path=ppt/slides/slide3.xml><?xml version="1.0" encoding="utf-8"?>
-<p:sld xmlns:a="http://schemas.openxmlformats.org/drawingml/2006/main" xmlns:r="http://schemas.openxmlformats.org/officeDocument/2006/relationships" xmlns:p="http://schemas.openxmlformats.org/presentationml/2006/main">
-  <p:cSld>
-    <p:spTree>
-      <p:nvGrpSpPr>
-        <p:cNvPr id="1" name=""/>
-        <p:cNvGrpSpPr/>
-        <p:nvPr/>
-      </p:nvGrpSpPr>
-      <p:grpSpPr>
-        <a:xfrm>
-          <a:off x="0" y="0"/>
-          <a:ext cx="0" cy="0"/>
-          <a:chOff x="0" y="0"/>
-          <a:chExt cx="0" cy="0"/>
-        </a:xfrm>
-      </p:grpSpPr>
-      <p:sp>
-        <p:nvSpPr>
-          <p:cNvPr id="2" name="Titel 1">
-            <a:extLst>
-              <a:ext uri="{FF2B5EF4-FFF2-40B4-BE49-F238E27FC236}">
-                <a16:creationId xmlns:a16="http://schemas.microsoft.com/office/drawing/2014/main" id="{F0702755-8600-0C98-8DFF-FA6DA638548F}"/>
-              </a:ext>
-            </a:extLst>
-          </p:cNvPr>
-          <p:cNvSpPr>
-            <a:spLocks noGrp="1"/>
-          </p:cNvSpPr>
-          <p:nvPr>
-            <p:ph type="title"/>
-          </p:nvPr>
-        </p:nvSpPr>
-        <p:spPr/>
-        <p:txBody>
-          <a:bodyPr/>
-          <a:lstStyle/>
-          <a:p>
-            <a:r>
-              <a:rPr lang="de-DE" dirty="0" err="1"/>
-              <a:t>Osnova</a:t>
-            </a:r>
-            <a:endParaRPr lang="de-DE" dirty="0"/>
-          </a:p>
-        </p:txBody>
-      </p:sp>
-      <p:sp>
-        <p:nvSpPr>
-          <p:cNvPr id="3" name="Inhaltsplatzhalter 2">
-            <a:extLst>
-              <a:ext uri="{FF2B5EF4-FFF2-40B4-BE49-F238E27FC236}">
-                <a16:creationId xmlns:a16="http://schemas.microsoft.com/office/drawing/2014/main" id="{9FF92CDA-ED1D-B1E1-4597-F2E1620BC251}"/>
-              </a:ext>
-            </a:extLst>
-          </p:cNvPr>
-          <p:cNvSpPr>
-            <a:spLocks noGrp="1"/>
-          </p:cNvSpPr>
-          <p:nvPr>
-            <p:ph idx="1"/>
-          </p:nvPr>
-        </p:nvSpPr>
-        <p:spPr/>
-        <p:txBody>
-          <a:bodyPr/>
-          <a:lstStyle/>
-          <a:p>
-            <a:pPr marL="457200" indent="-457200">
-              <a:buFont typeface="+mj-lt"/>
-              <a:buAutoNum type="arabicParenR"/>
-            </a:pPr>
-            <a:r>
-              <a:rPr lang="de-DE" dirty="0"/>
-              <a:t>Pole</a:t>
-            </a:r>
-          </a:p>
-          <a:p>
-            <a:pPr marL="457200" indent="-457200">
-              <a:buFont typeface="+mj-lt"/>
-              <a:buAutoNum type="arabicParenR"/>
-            </a:pPr>
-            <a:r>
-              <a:rPr lang="de-DE" dirty="0" err="1"/>
-              <a:t>Kolekce</a:t>
-            </a:r>
-            <a:endParaRPr lang="de-DE" dirty="0"/>
-          </a:p>
-          <a:p>
-            <a:pPr marL="457200" indent="-457200">
-              <a:buFont typeface="+mj-lt"/>
-              <a:buAutoNum type="arabicParenR"/>
-            </a:pPr>
-            <a:r>
-              <a:rPr lang="de-DE" dirty="0"/>
-              <a:t>Stream API</a:t>
-            </a:r>
-          </a:p>
-          <a:p>
-            <a:pPr marL="457200" indent="-457200">
-              <a:buFont typeface="+mj-lt"/>
-              <a:buAutoNum type="arabicParenR"/>
-            </a:pPr>
-            <a:r>
-              <a:rPr lang="de-DE" dirty="0"/>
-              <a:t>Projekt</a:t>
-            </a:r>
-          </a:p>
-        </p:txBody>
-      </p:sp>
-    </p:spTree>
-    <p:extLst>
-      <p:ext uri="{BB962C8B-B14F-4D97-AF65-F5344CB8AC3E}">
-        <p14:creationId xmlns:p14="http://schemas.microsoft.com/office/powerpoint/2010/main" val="188577003"/>
-      </p:ext>
-    </p:extLst>
-  </p:cSld>
-  <p:clrMapOvr>
-    <a:masterClrMapping/>
-  </p:clrMapOvr>
-</p:sld>
-</file>
-
-<file path=ppt/slides/slide4.xml><?xml version="1.0" encoding="utf-8"?>
-<p:sld xmlns:a="http://schemas.openxmlformats.org/drawingml/2006/main" xmlns:r="http://schemas.openxmlformats.org/officeDocument/2006/relationships" xmlns:p="http://schemas.openxmlformats.org/presentationml/2006/main">
-  <p:cSld>
-    <p:spTree>
-      <p:nvGrpSpPr>
-        <p:cNvPr id="1" name=""/>
-        <p:cNvGrpSpPr/>
-        <p:nvPr/>
-      </p:nvGrpSpPr>
-      <p:grpSpPr>
-        <a:xfrm>
-          <a:off x="0" y="0"/>
-          <a:ext cx="0" cy="0"/>
-          <a:chOff x="0" y="0"/>
-          <a:chExt cx="0" cy="0"/>
-        </a:xfrm>
-      </p:grpSpPr>
-      <p:sp>
-        <p:nvSpPr>
-          <p:cNvPr id="2" name="Titel 1">
-            <a:extLst>
-              <a:ext uri="{FF2B5EF4-FFF2-40B4-BE49-F238E27FC236}">
-                <a16:creationId xmlns:a16="http://schemas.microsoft.com/office/drawing/2014/main" id="{F0702755-8600-0C98-8DFF-FA6DA638548F}"/>
-              </a:ext>
-            </a:extLst>
-          </p:cNvPr>
-          <p:cNvSpPr>
-            <a:spLocks noGrp="1"/>
-          </p:cNvSpPr>
-          <p:nvPr>
-            <p:ph type="title"/>
-          </p:nvPr>
-        </p:nvSpPr>
-        <p:spPr/>
-        <p:txBody>
-          <a:bodyPr/>
-          <a:lstStyle/>
-          <a:p>
-            <a:r>
-              <a:rPr lang="de-DE" dirty="0" err="1"/>
-              <a:t>Osnova</a:t>
-            </a:r>
-            <a:endParaRPr lang="de-DE" dirty="0"/>
-          </a:p>
-        </p:txBody>
-      </p:sp>
-      <p:sp>
-        <p:nvSpPr>
-          <p:cNvPr id="3" name="Inhaltsplatzhalter 2">
-            <a:extLst>
-              <a:ext uri="{FF2B5EF4-FFF2-40B4-BE49-F238E27FC236}">
-                <a16:creationId xmlns:a16="http://schemas.microsoft.com/office/drawing/2014/main" id="{9FF92CDA-ED1D-B1E1-4597-F2E1620BC251}"/>
-              </a:ext>
-            </a:extLst>
-          </p:cNvPr>
-          <p:cNvSpPr>
-            <a:spLocks noGrp="1"/>
-          </p:cNvSpPr>
-          <p:nvPr>
-            <p:ph idx="1"/>
-          </p:nvPr>
-        </p:nvSpPr>
-        <p:spPr/>
-        <p:txBody>
-          <a:bodyPr/>
-          <a:lstStyle/>
-          <a:p>
-            <a:pPr marL="457200" indent="-457200">
-              <a:buFont typeface="+mj-lt"/>
-              <a:buAutoNum type="arabicParenR"/>
-            </a:pPr>
-            <a:r>
-              <a:rPr lang="de-DE" b="1" dirty="0">
-                <a:solidFill>
-                  <a:schemeClr val="accent1"/>
-                </a:solidFill>
-              </a:rPr>
-              <a:t>Pole</a:t>
-            </a:r>
-          </a:p>
-          <a:p>
-            <a:pPr marL="457200" indent="-457200">
-              <a:buFont typeface="+mj-lt"/>
-              <a:buAutoNum type="arabicParenR"/>
-            </a:pPr>
-            <a:r>
-              <a:rPr lang="de-DE" dirty="0" err="1"/>
-              <a:t>Kolekce</a:t>
-            </a:r>
-            <a:endParaRPr lang="de-DE" dirty="0"/>
-          </a:p>
-          <a:p>
-            <a:pPr marL="457200" indent="-457200">
-              <a:buFont typeface="+mj-lt"/>
-              <a:buAutoNum type="arabicParenR"/>
-            </a:pPr>
-            <a:r>
-              <a:rPr lang="de-DE" dirty="0"/>
-              <a:t>Stream API</a:t>
-            </a:r>
-          </a:p>
-          <a:p>
-            <a:pPr marL="457200" indent="-457200">
-              <a:buFont typeface="+mj-lt"/>
-              <a:buAutoNum type="arabicParenR"/>
-            </a:pPr>
-            <a:r>
-              <a:rPr lang="de-DE" dirty="0"/>
-              <a:t>Projekt</a:t>
-            </a:r>
-          </a:p>
-        </p:txBody>
-      </p:sp>
-    </p:spTree>
-    <p:extLst>
-      <p:ext uri="{BB962C8B-B14F-4D97-AF65-F5344CB8AC3E}">
-        <p14:creationId xmlns:p14="http://schemas.microsoft.com/office/powerpoint/2010/main" val="3837875326"/>
-      </p:ext>
-    </p:extLst>
-  </p:cSld>
-  <p:clrMapOvr>
-    <a:masterClrMapping/>
-  </p:clrMapOvr>
-</p:sld>
-</file>
-
-<file path=ppt/slides/slide5.xml><?xml version="1.0" encoding="utf-8"?>
-<p:sld xmlns:a="http://schemas.openxmlformats.org/drawingml/2006/main" xmlns:r="http://schemas.openxmlformats.org/officeDocument/2006/relationships" xmlns:p="http://schemas.openxmlformats.org/presentationml/2006/main">
-  <p:cSld>
-    <p:spTree>
-      <p:nvGrpSpPr>
-        <p:cNvPr id="1" name=""/>
-        <p:cNvGrpSpPr/>
-        <p:nvPr/>
-      </p:nvGrpSpPr>
-      <p:grpSpPr>
-        <a:xfrm>
-          <a:off x="0" y="0"/>
-          <a:ext cx="0" cy="0"/>
-          <a:chOff x="0" y="0"/>
-          <a:chExt cx="0" cy="0"/>
-        </a:xfrm>
-      </p:grpSpPr>
-      <p:sp>
-        <p:nvSpPr>
-          <p:cNvPr id="2" name="Titel 1">
-            <a:extLst>
-              <a:ext uri="{FF2B5EF4-FFF2-40B4-BE49-F238E27FC236}">
-                <a16:creationId xmlns:a16="http://schemas.microsoft.com/office/drawing/2014/main" id="{F0702755-8600-0C98-8DFF-FA6DA638548F}"/>
-              </a:ext>
-            </a:extLst>
-          </p:cNvPr>
-          <p:cNvSpPr>
-            <a:spLocks noGrp="1"/>
-          </p:cNvSpPr>
-          <p:nvPr>
-            <p:ph type="title"/>
-          </p:nvPr>
-        </p:nvSpPr>
-        <p:spPr/>
-        <p:txBody>
-          <a:bodyPr/>
-          <a:lstStyle/>
-          <a:p>
-            <a:r>
-              <a:rPr lang="de-DE" dirty="0" err="1"/>
-              <a:t>Osnova</a:t>
-            </a:r>
-            <a:endParaRPr lang="de-DE" dirty="0"/>
-          </a:p>
-        </p:txBody>
-      </p:sp>
-      <p:sp>
-        <p:nvSpPr>
-          <p:cNvPr id="3" name="Inhaltsplatzhalter 2">
-            <a:extLst>
-              <a:ext uri="{FF2B5EF4-FFF2-40B4-BE49-F238E27FC236}">
-                <a16:creationId xmlns:a16="http://schemas.microsoft.com/office/drawing/2014/main" id="{9FF92CDA-ED1D-B1E1-4597-F2E1620BC251}"/>
-              </a:ext>
-            </a:extLst>
-          </p:cNvPr>
-          <p:cNvSpPr>
-            <a:spLocks noGrp="1"/>
-          </p:cNvSpPr>
-          <p:nvPr>
-            <p:ph idx="1"/>
-          </p:nvPr>
-        </p:nvSpPr>
-        <p:spPr/>
-        <p:txBody>
-          <a:bodyPr/>
-          <a:lstStyle/>
-          <a:p>
-            <a:pPr marL="457200" indent="-457200">
-              <a:buFont typeface="+mj-lt"/>
-              <a:buAutoNum type="arabicParenR"/>
-            </a:pPr>
-            <a:r>
-              <a:rPr lang="de-DE" dirty="0"/>
-              <a:t>Pole</a:t>
-            </a:r>
-          </a:p>
-          <a:p>
-            <a:pPr marL="457200" indent="-457200">
-              <a:buFont typeface="+mj-lt"/>
-              <a:buAutoNum type="arabicParenR"/>
-            </a:pPr>
-            <a:r>
-              <a:rPr lang="de-DE" b="1" dirty="0" err="1">
-                <a:solidFill>
-                  <a:schemeClr val="accent1"/>
-                </a:solidFill>
-              </a:rPr>
-              <a:t>Kolekce</a:t>
-            </a:r>
-            <a:endParaRPr lang="de-DE" b="1" dirty="0">
-              <a:solidFill>
-                <a:schemeClr val="accent1"/>
-              </a:solidFill>
-            </a:endParaRPr>
-          </a:p>
-          <a:p>
-            <a:pPr marL="749808" lvl="1" indent="-457200">
-              <a:buFont typeface="+mj-lt"/>
-              <a:buAutoNum type="arabicParenR"/>
-            </a:pPr>
-            <a:r>
-              <a:rPr lang="de-DE" dirty="0">
-                <a:solidFill>
-                  <a:schemeClr val="accent1"/>
-                </a:solidFill>
-              </a:rPr>
-              <a:t>List</a:t>
-            </a:r>
-          </a:p>
-          <a:p>
-            <a:pPr marL="749808" lvl="1" indent="-457200">
-              <a:buFont typeface="+mj-lt"/>
-              <a:buAutoNum type="arabicParenR"/>
-            </a:pPr>
-            <a:r>
-              <a:rPr lang="de-DE" dirty="0">
-                <a:solidFill>
-                  <a:schemeClr val="accent1"/>
-                </a:solidFill>
-              </a:rPr>
-              <a:t>Hash</a:t>
-            </a:r>
-          </a:p>
-          <a:p>
-            <a:pPr marL="457200" indent="-457200">
-              <a:buFont typeface="+mj-lt"/>
-              <a:buAutoNum type="arabicParenR"/>
-            </a:pPr>
-            <a:r>
-              <a:rPr lang="de-DE" dirty="0"/>
-              <a:t>Stream API</a:t>
-            </a:r>
-          </a:p>
-          <a:p>
-            <a:pPr marL="457200" indent="-457200">
-              <a:buFont typeface="+mj-lt"/>
-              <a:buAutoNum type="arabicParenR"/>
-            </a:pPr>
-            <a:r>
-              <a:rPr lang="de-DE" dirty="0"/>
-              <a:t>Projekt</a:t>
-            </a:r>
-          </a:p>
-        </p:txBody>
-      </p:sp>
-    </p:spTree>
-    <p:extLst>
-      <p:ext uri="{BB962C8B-B14F-4D97-AF65-F5344CB8AC3E}">
-        <p14:creationId xmlns:p14="http://schemas.microsoft.com/office/powerpoint/2010/main" val="258779382"/>
-      </p:ext>
-    </p:extLst>
-  </p:cSld>
-  <p:clrMapOvr>
-    <a:masterClrMapping/>
-  </p:clrMapOvr>
-</p:sld>
-</file>
-
-<file path=ppt/slides/slide6.xml><?xml version="1.0" encoding="utf-8"?>
-<p:sld xmlns:a="http://schemas.openxmlformats.org/drawingml/2006/main" xmlns:r="http://schemas.openxmlformats.org/officeDocument/2006/relationships" xmlns:p="http://schemas.openxmlformats.org/presentationml/2006/main">
-  <p:cSld>
-    <p:spTree>
-      <p:nvGrpSpPr>
-        <p:cNvPr id="1" name=""/>
-        <p:cNvGrpSpPr/>
-        <p:nvPr/>
-      </p:nvGrpSpPr>
-      <p:grpSpPr>
-        <a:xfrm>
-          <a:off x="0" y="0"/>
-          <a:ext cx="0" cy="0"/>
-          <a:chOff x="0" y="0"/>
-          <a:chExt cx="0" cy="0"/>
-        </a:xfrm>
-      </p:grpSpPr>
-      <p:graphicFrame>
-        <p:nvGraphicFramePr>
-          <p:cNvPr id="4" name="Tabelle 4">
-            <a:extLst>
-              <a:ext uri="{FF2B5EF4-FFF2-40B4-BE49-F238E27FC236}">
-                <a16:creationId xmlns:a16="http://schemas.microsoft.com/office/drawing/2014/main" id="{FF0C0F3D-117D-C4A5-E7DB-1373DAAFA485}"/>
-              </a:ext>
-            </a:extLst>
-          </p:cNvPr>
-          <p:cNvGraphicFramePr>
-            <a:graphicFrameLocks noGrp="1"/>
-          </p:cNvGraphicFramePr>
-          <p:nvPr>
-            <p:extLst>
-              <p:ext uri="{D42A27DB-BD31-4B8C-83A1-F6EECF244321}">
-                <p14:modId xmlns:p14="http://schemas.microsoft.com/office/powerpoint/2010/main" val="1722547854"/>
-              </p:ext>
-            </p:extLst>
-          </p:nvPr>
-        </p:nvGraphicFramePr>
-        <p:xfrm>
-          <a:off x="1018988" y="1215793"/>
-          <a:ext cx="8128000" cy="370840"/>
-        </p:xfrm>
-        <a:graphic>
-          <a:graphicData uri="http://schemas.openxmlformats.org/drawingml/2006/table">
-            <a:tbl>
-              <a:tblPr firstRow="1" bandRow="1">
-                <a:tableStyleId>{5940675A-B579-460E-94D1-54222C63F5DA}</a:tableStyleId>
-              </a:tblPr>
-              <a:tblGrid>
-                <a:gridCol w="1016000">
-                  <a:extLst>
-                    <a:ext uri="{9D8B030D-6E8A-4147-A177-3AD203B41FA5}">
-                      <a16:colId xmlns:a16="http://schemas.microsoft.com/office/drawing/2014/main" val="1309359964"/>
-                    </a:ext>
-                  </a:extLst>
-                </a:gridCol>
-                <a:gridCol w="1016000">
-                  <a:extLst>
-                    <a:ext uri="{9D8B030D-6E8A-4147-A177-3AD203B41FA5}">
-                      <a16:colId xmlns:a16="http://schemas.microsoft.com/office/drawing/2014/main" val="2549030102"/>
-                    </a:ext>
-                  </a:extLst>
-                </a:gridCol>
-                <a:gridCol w="1016000">
-                  <a:extLst>
-                    <a:ext uri="{9D8B030D-6E8A-4147-A177-3AD203B41FA5}">
-                      <a16:colId xmlns:a16="http://schemas.microsoft.com/office/drawing/2014/main" val="3568220074"/>
-                    </a:ext>
-                  </a:extLst>
-                </a:gridCol>
-                <a:gridCol w="1016000">
-                  <a:extLst>
-                    <a:ext uri="{9D8B030D-6E8A-4147-A177-3AD203B41FA5}">
-                      <a16:colId xmlns:a16="http://schemas.microsoft.com/office/drawing/2014/main" val="2114664903"/>
-                    </a:ext>
-                  </a:extLst>
-                </a:gridCol>
-                <a:gridCol w="1016000">
-                  <a:extLst>
-                    <a:ext uri="{9D8B030D-6E8A-4147-A177-3AD203B41FA5}">
-                      <a16:colId xmlns:a16="http://schemas.microsoft.com/office/drawing/2014/main" val="956525025"/>
-                    </a:ext>
-                  </a:extLst>
-                </a:gridCol>
-                <a:gridCol w="1016000">
-                  <a:extLst>
-                    <a:ext uri="{9D8B030D-6E8A-4147-A177-3AD203B41FA5}">
-                      <a16:colId xmlns:a16="http://schemas.microsoft.com/office/drawing/2014/main" val="3808388077"/>
-                    </a:ext>
-                  </a:extLst>
-                </a:gridCol>
-                <a:gridCol w="1016000">
-                  <a:extLst>
-                    <a:ext uri="{9D8B030D-6E8A-4147-A177-3AD203B41FA5}">
-                      <a16:colId xmlns:a16="http://schemas.microsoft.com/office/drawing/2014/main" val="354580739"/>
-                    </a:ext>
-                  </a:extLst>
-                </a:gridCol>
-                <a:gridCol w="1016000">
-                  <a:extLst>
-                    <a:ext uri="{9D8B030D-6E8A-4147-A177-3AD203B41FA5}">
-                      <a16:colId xmlns:a16="http://schemas.microsoft.com/office/drawing/2014/main" val="2048988807"/>
-                    </a:ext>
-                  </a:extLst>
-                </a:gridCol>
-              </a:tblGrid>
-              <a:tr h="370840">
-                <a:tc>
-                  <a:txBody>
-                    <a:bodyPr/>
-                    <a:lstStyle/>
-                    <a:p>
-                      <a:pPr algn="ctr"/>
-                      <a:r>
-                        <a:rPr lang="en-US" dirty="0"/>
-                        <a:t>0</a:t>
-                      </a:r>
-                      <a:endParaRPr lang="de-DE" dirty="0"/>
-                    </a:p>
-                  </a:txBody>
-                  <a:tcPr/>
-                </a:tc>
-                <a:tc>
-                  <a:txBody>
-                    <a:bodyPr/>
-                    <a:lstStyle/>
-                    <a:p>
-                      <a:pPr algn="ctr"/>
-                      <a:r>
-                        <a:rPr lang="en-US" dirty="0"/>
-                        <a:t>1</a:t>
-                      </a:r>
-                      <a:endParaRPr lang="de-DE" dirty="0"/>
-                    </a:p>
-                  </a:txBody>
-                  <a:tcPr/>
-                </a:tc>
-                <a:tc>
-                  <a:txBody>
-                    <a:bodyPr/>
-                    <a:lstStyle/>
-                    <a:p>
-                      <a:pPr algn="ctr"/>
-                      <a:r>
-                        <a:rPr lang="en-US" dirty="0"/>
-                        <a:t>2</a:t>
-                      </a:r>
-                      <a:endParaRPr lang="de-DE" dirty="0"/>
-                    </a:p>
-                  </a:txBody>
-                  <a:tcPr/>
-                </a:tc>
-                <a:tc>
-                  <a:txBody>
-                    <a:bodyPr/>
-                    <a:lstStyle/>
-                    <a:p>
-                      <a:pPr algn="ctr"/>
-                      <a:r>
-                        <a:rPr lang="en-US" dirty="0"/>
-                        <a:t>3</a:t>
-                      </a:r>
-                      <a:endParaRPr lang="de-DE" dirty="0"/>
-                    </a:p>
-                  </a:txBody>
-                  <a:tcPr/>
-                </a:tc>
-                <a:tc>
-                  <a:txBody>
-                    <a:bodyPr/>
-                    <a:lstStyle/>
-                    <a:p>
-                      <a:pPr algn="ctr"/>
-                      <a:r>
-                        <a:rPr lang="en-US" dirty="0"/>
-                        <a:t>4</a:t>
-                      </a:r>
-                      <a:endParaRPr lang="de-DE" dirty="0"/>
-                    </a:p>
-                  </a:txBody>
-                  <a:tcPr/>
-                </a:tc>
-                <a:tc>
-                  <a:txBody>
-                    <a:bodyPr/>
-                    <a:lstStyle/>
-                    <a:p>
-                      <a:pPr algn="ctr"/>
-                      <a:r>
-                        <a:rPr lang="en-US" dirty="0"/>
-                        <a:t>5</a:t>
-                      </a:r>
-                      <a:endParaRPr lang="de-DE" dirty="0"/>
-                    </a:p>
-                  </a:txBody>
-                  <a:tcPr/>
-                </a:tc>
-                <a:tc>
-                  <a:txBody>
-                    <a:bodyPr/>
-                    <a:lstStyle/>
-                    <a:p>
-                      <a:pPr algn="ctr"/>
-                      <a:r>
-                        <a:rPr lang="en-US" dirty="0"/>
-                        <a:t>6</a:t>
-                      </a:r>
-                      <a:endParaRPr lang="de-DE" dirty="0"/>
-                    </a:p>
-                  </a:txBody>
-                  <a:tcPr/>
-                </a:tc>
-                <a:tc>
-                  <a:txBody>
-                    <a:bodyPr/>
-                    <a:lstStyle/>
-                    <a:p>
-                      <a:pPr algn="ctr"/>
-                      <a:r>
-                        <a:rPr lang="en-US" dirty="0"/>
-                        <a:t>7</a:t>
-                      </a:r>
-                      <a:endParaRPr lang="de-DE" dirty="0"/>
-                    </a:p>
-                  </a:txBody>
-                  <a:tcPr/>
-                </a:tc>
-                <a:extLst>
-                  <a:ext uri="{0D108BD9-81ED-4DB2-BD59-A6C34878D82A}">
-                    <a16:rowId xmlns:a16="http://schemas.microsoft.com/office/drawing/2014/main" val="873941668"/>
-                  </a:ext>
-                </a:extLst>
-              </a:tr>
-            </a:tbl>
-          </a:graphicData>
-        </a:graphic>
-      </p:graphicFrame>
-      <p:sp>
-        <p:nvSpPr>
-          <p:cNvPr id="11" name="Textfeld 10">
-            <a:extLst>
-              <a:ext uri="{FF2B5EF4-FFF2-40B4-BE49-F238E27FC236}">
-                <a16:creationId xmlns:a16="http://schemas.microsoft.com/office/drawing/2014/main" id="{5790D4CF-065B-0E4D-6DA2-10893D92F3DF}"/>
-              </a:ext>
-            </a:extLst>
-          </p:cNvPr>
-          <p:cNvSpPr txBox="1"/>
-          <p:nvPr/>
-        </p:nvSpPr>
-        <p:spPr>
-          <a:xfrm>
-            <a:off x="226358" y="504202"/>
-            <a:ext cx="6243918" cy="369332"/>
-          </a:xfrm>
-          <a:prstGeom prst="rect">
-            <a:avLst/>
-          </a:prstGeom>
-          <a:noFill/>
-        </p:spPr>
-        <p:txBody>
-          <a:bodyPr wrap="square">
-            <a:spAutoFit/>
-          </a:bodyPr>
-          <a:lstStyle/>
-          <a:p>
-            <a:r>
-              <a:rPr lang="de-DE" dirty="0" err="1"/>
-              <a:t>heightRose</a:t>
-            </a:r>
-            <a:endParaRPr lang="de-DE" dirty="0"/>
-          </a:p>
-        </p:txBody>
-      </p:sp>
-      <p:sp>
-        <p:nvSpPr>
-          <p:cNvPr id="12" name="Textfeld 11">
-            <a:extLst>
-              <a:ext uri="{FF2B5EF4-FFF2-40B4-BE49-F238E27FC236}">
-                <a16:creationId xmlns:a16="http://schemas.microsoft.com/office/drawing/2014/main" id="{912ABD63-EDE8-C7DC-43A8-087F7D8D2139}"/>
-              </a:ext>
-            </a:extLst>
-          </p:cNvPr>
-          <p:cNvSpPr txBox="1"/>
-          <p:nvPr/>
-        </p:nvSpPr>
-        <p:spPr>
-          <a:xfrm>
-            <a:off x="279698" y="2134316"/>
-            <a:ext cx="6243918" cy="369332"/>
-          </a:xfrm>
-          <a:prstGeom prst="rect">
-            <a:avLst/>
-          </a:prstGeom>
-          <a:noFill/>
-        </p:spPr>
-        <p:txBody>
-          <a:bodyPr wrap="square">
-            <a:spAutoFit/>
-          </a:bodyPr>
-          <a:lstStyle/>
-          <a:p>
-            <a:r>
-              <a:rPr lang="en-US" dirty="0"/>
-              <a:t>c</a:t>
-            </a:r>
-            <a:r>
-              <a:rPr lang="de-DE" dirty="0" err="1"/>
-              <a:t>ars</a:t>
-            </a:r>
-            <a:endParaRPr lang="de-DE" dirty="0"/>
-          </a:p>
-        </p:txBody>
-      </p:sp>
-      <p:graphicFrame>
-        <p:nvGraphicFramePr>
-          <p:cNvPr id="13" name="Tabelle 4">
-            <a:extLst>
-              <a:ext uri="{FF2B5EF4-FFF2-40B4-BE49-F238E27FC236}">
-                <a16:creationId xmlns:a16="http://schemas.microsoft.com/office/drawing/2014/main" id="{886143A5-6536-E66C-4A26-C5D35480A98F}"/>
-              </a:ext>
-            </a:extLst>
-          </p:cNvPr>
-          <p:cNvGraphicFramePr>
-            <a:graphicFrameLocks noGrp="1"/>
-          </p:cNvGraphicFramePr>
-          <p:nvPr>
-            <p:extLst>
-              <p:ext uri="{D42A27DB-BD31-4B8C-83A1-F6EECF244321}">
-                <p14:modId xmlns:p14="http://schemas.microsoft.com/office/powerpoint/2010/main" val="3107412827"/>
-              </p:ext>
-            </p:extLst>
-          </p:nvPr>
-        </p:nvGraphicFramePr>
-        <p:xfrm>
-          <a:off x="1018988" y="4388923"/>
-          <a:ext cx="4064000" cy="370840"/>
-        </p:xfrm>
-        <a:graphic>
-          <a:graphicData uri="http://schemas.openxmlformats.org/drawingml/2006/table">
-            <a:tbl>
-              <a:tblPr firstRow="1" bandRow="1">
-                <a:tableStyleId>{5940675A-B579-460E-94D1-54222C63F5DA}</a:tableStyleId>
-              </a:tblPr>
-              <a:tblGrid>
-                <a:gridCol w="1016000">
-                  <a:extLst>
-                    <a:ext uri="{9D8B030D-6E8A-4147-A177-3AD203B41FA5}">
-                      <a16:colId xmlns:a16="http://schemas.microsoft.com/office/drawing/2014/main" val="1309359964"/>
-                    </a:ext>
-                  </a:extLst>
-                </a:gridCol>
-                <a:gridCol w="1016000">
-                  <a:extLst>
-                    <a:ext uri="{9D8B030D-6E8A-4147-A177-3AD203B41FA5}">
-                      <a16:colId xmlns:a16="http://schemas.microsoft.com/office/drawing/2014/main" val="2549030102"/>
-                    </a:ext>
-                  </a:extLst>
-                </a:gridCol>
-                <a:gridCol w="1016000">
-                  <a:extLst>
-                    <a:ext uri="{9D8B030D-6E8A-4147-A177-3AD203B41FA5}">
-                      <a16:colId xmlns:a16="http://schemas.microsoft.com/office/drawing/2014/main" val="3568220074"/>
-                    </a:ext>
-                  </a:extLst>
-                </a:gridCol>
-                <a:gridCol w="1016000">
-                  <a:extLst>
-                    <a:ext uri="{9D8B030D-6E8A-4147-A177-3AD203B41FA5}">
-                      <a16:colId xmlns:a16="http://schemas.microsoft.com/office/drawing/2014/main" val="2114664903"/>
-                    </a:ext>
-                  </a:extLst>
-                </a:gridCol>
-              </a:tblGrid>
-              <a:tr h="370840">
-                <a:tc>
-                  <a:txBody>
-                    <a:bodyPr/>
-                    <a:lstStyle/>
-                    <a:p>
-                      <a:pPr algn="ctr"/>
-                      <a:r>
-                        <a:rPr lang="en-US" dirty="0"/>
-                        <a:t>0</a:t>
-                      </a:r>
-                      <a:endParaRPr lang="de-DE" dirty="0"/>
-                    </a:p>
-                  </a:txBody>
-                  <a:tcPr/>
-                </a:tc>
-                <a:tc>
-                  <a:txBody>
-                    <a:bodyPr/>
-                    <a:lstStyle/>
-                    <a:p>
-                      <a:pPr algn="ctr"/>
-                      <a:r>
-                        <a:rPr lang="en-US" dirty="0"/>
-                        <a:t>1</a:t>
-                      </a:r>
-                      <a:endParaRPr lang="de-DE" dirty="0"/>
-                    </a:p>
-                  </a:txBody>
-                  <a:tcPr/>
-                </a:tc>
-                <a:tc>
-                  <a:txBody>
-                    <a:bodyPr/>
-                    <a:lstStyle/>
-                    <a:p>
-                      <a:pPr algn="ctr"/>
-                      <a:r>
-                        <a:rPr lang="en-US" dirty="0"/>
-                        <a:t>2</a:t>
-                      </a:r>
-                      <a:endParaRPr lang="de-DE" dirty="0"/>
-                    </a:p>
-                  </a:txBody>
-                  <a:tcPr/>
-                </a:tc>
-                <a:tc>
-                  <a:txBody>
-                    <a:bodyPr/>
-                    <a:lstStyle/>
-                    <a:p>
-                      <a:pPr algn="ctr"/>
-                      <a:r>
-                        <a:rPr lang="en-US" dirty="0"/>
-                        <a:t>3</a:t>
-                      </a:r>
-                      <a:endParaRPr lang="de-DE" dirty="0"/>
-                    </a:p>
-                  </a:txBody>
-                  <a:tcPr/>
-                </a:tc>
-                <a:extLst>
-                  <a:ext uri="{0D108BD9-81ED-4DB2-BD59-A6C34878D82A}">
-                    <a16:rowId xmlns:a16="http://schemas.microsoft.com/office/drawing/2014/main" val="873941668"/>
-                  </a:ext>
-                </a:extLst>
-              </a:tr>
-            </a:tbl>
-          </a:graphicData>
-        </a:graphic>
-      </p:graphicFrame>
-      <p:sp>
-        <p:nvSpPr>
-          <p:cNvPr id="16" name="Denkblase: wolkenförmig 15">
-            <a:extLst>
-              <a:ext uri="{FF2B5EF4-FFF2-40B4-BE49-F238E27FC236}">
-                <a16:creationId xmlns:a16="http://schemas.microsoft.com/office/drawing/2014/main" id="{B27CA7A4-AD9C-2747-3E10-F88CF1A22130}"/>
-              </a:ext>
-            </a:extLst>
-          </p:cNvPr>
-          <p:cNvSpPr/>
-          <p:nvPr/>
-        </p:nvSpPr>
-        <p:spPr>
-          <a:xfrm>
-            <a:off x="813248" y="3084748"/>
-            <a:ext cx="1267012" cy="612648"/>
-          </a:xfrm>
-          <a:prstGeom prst="cloudCallout">
-            <a:avLst>
-              <a:gd name="adj1" fmla="val 4167"/>
-              <a:gd name="adj2" fmla="val 171953"/>
-            </a:avLst>
-          </a:prstGeom>
-        </p:spPr>
-        <p:style>
-          <a:lnRef idx="1">
-            <a:schemeClr val="accent1"/>
-          </a:lnRef>
-          <a:fillRef idx="2">
-            <a:schemeClr val="accent1"/>
-          </a:fillRef>
-          <a:effectRef idx="1">
-            <a:schemeClr val="accent1"/>
-          </a:effectRef>
-          <a:fontRef idx="minor">
-            <a:schemeClr val="dk1"/>
-          </a:fontRef>
-        </p:style>
-        <p:txBody>
-          <a:bodyPr rtlCol="0" anchor="ctr"/>
-          <a:lstStyle/>
-          <a:p>
-            <a:pPr algn="ctr"/>
-            <a:r>
-              <a:rPr lang="en-US" dirty="0" err="1"/>
-              <a:t>Volwo</a:t>
-            </a:r>
-            <a:endParaRPr lang="de-DE" dirty="0"/>
-          </a:p>
-        </p:txBody>
-      </p:sp>
-      <p:sp>
-        <p:nvSpPr>
-          <p:cNvPr id="17" name="Denkblase: wolkenförmig 16">
-            <a:extLst>
-              <a:ext uri="{FF2B5EF4-FFF2-40B4-BE49-F238E27FC236}">
-                <a16:creationId xmlns:a16="http://schemas.microsoft.com/office/drawing/2014/main" id="{431A5B84-43FA-0683-9F2F-81DCFBB73B45}"/>
-              </a:ext>
-            </a:extLst>
-          </p:cNvPr>
-          <p:cNvSpPr/>
-          <p:nvPr/>
-        </p:nvSpPr>
-        <p:spPr>
-          <a:xfrm>
-            <a:off x="2081305" y="2472100"/>
-            <a:ext cx="1267012" cy="612648"/>
-          </a:xfrm>
-          <a:prstGeom prst="cloudCallout">
-            <a:avLst>
-              <a:gd name="adj1" fmla="val 2964"/>
-              <a:gd name="adj2" fmla="val 290112"/>
-            </a:avLst>
-          </a:prstGeom>
-        </p:spPr>
-        <p:style>
-          <a:lnRef idx="1">
-            <a:schemeClr val="accent1"/>
-          </a:lnRef>
-          <a:fillRef idx="2">
-            <a:schemeClr val="accent1"/>
-          </a:fillRef>
-          <a:effectRef idx="1">
-            <a:schemeClr val="accent1"/>
-          </a:effectRef>
-          <a:fontRef idx="minor">
-            <a:schemeClr val="dk1"/>
-          </a:fontRef>
-        </p:style>
-        <p:txBody>
-          <a:bodyPr rtlCol="0" anchor="ctr"/>
-          <a:lstStyle/>
-          <a:p>
-            <a:pPr algn="ctr"/>
-            <a:r>
-              <a:rPr lang="en-US" dirty="0"/>
-              <a:t>Seat</a:t>
-            </a:r>
-            <a:endParaRPr lang="de-DE" dirty="0"/>
-          </a:p>
-        </p:txBody>
-      </p:sp>
-      <p:sp>
-        <p:nvSpPr>
-          <p:cNvPr id="18" name="Denkblase: wolkenförmig 17">
-            <a:extLst>
-              <a:ext uri="{FF2B5EF4-FFF2-40B4-BE49-F238E27FC236}">
-                <a16:creationId xmlns:a16="http://schemas.microsoft.com/office/drawing/2014/main" id="{E6075481-EA7D-BB86-57EA-B5FD5011DFC1}"/>
-              </a:ext>
-            </a:extLst>
-          </p:cNvPr>
-          <p:cNvSpPr/>
-          <p:nvPr/>
-        </p:nvSpPr>
-        <p:spPr>
-          <a:xfrm>
-            <a:off x="3228788" y="3084748"/>
-            <a:ext cx="1267012" cy="612648"/>
-          </a:xfrm>
-          <a:prstGeom prst="cloudCallout">
-            <a:avLst>
-              <a:gd name="adj1" fmla="val -10267"/>
-              <a:gd name="adj2" fmla="val 194341"/>
-            </a:avLst>
-          </a:prstGeom>
-        </p:spPr>
-        <p:style>
-          <a:lnRef idx="1">
-            <a:schemeClr val="accent1"/>
-          </a:lnRef>
-          <a:fillRef idx="2">
-            <a:schemeClr val="accent1"/>
-          </a:fillRef>
-          <a:effectRef idx="1">
-            <a:schemeClr val="accent1"/>
-          </a:effectRef>
-          <a:fontRef idx="minor">
-            <a:schemeClr val="dk1"/>
-          </a:fontRef>
-        </p:style>
-        <p:txBody>
-          <a:bodyPr rtlCol="0" anchor="ctr"/>
-          <a:lstStyle/>
-          <a:p>
-            <a:pPr algn="ctr"/>
-            <a:r>
-              <a:rPr lang="en-US" dirty="0"/>
-              <a:t>Opel</a:t>
-            </a:r>
-            <a:endParaRPr lang="de-DE" dirty="0"/>
-          </a:p>
-        </p:txBody>
-      </p:sp>
-      <p:sp>
-        <p:nvSpPr>
-          <p:cNvPr id="19" name="Denkblase: wolkenförmig 18">
-            <a:extLst>
-              <a:ext uri="{FF2B5EF4-FFF2-40B4-BE49-F238E27FC236}">
-                <a16:creationId xmlns:a16="http://schemas.microsoft.com/office/drawing/2014/main" id="{531B8C67-53C6-C6AE-7686-B47EA5C5844C}"/>
-              </a:ext>
-            </a:extLst>
-          </p:cNvPr>
-          <p:cNvSpPr/>
-          <p:nvPr/>
-        </p:nvSpPr>
-        <p:spPr>
-          <a:xfrm>
-            <a:off x="5105848" y="3025104"/>
-            <a:ext cx="1267012" cy="612648"/>
-          </a:xfrm>
-          <a:prstGeom prst="cloudCallout">
-            <a:avLst>
-              <a:gd name="adj1" fmla="val -71611"/>
-              <a:gd name="adj2" fmla="val 200560"/>
-            </a:avLst>
-          </a:prstGeom>
-        </p:spPr>
-        <p:style>
-          <a:lnRef idx="1">
-            <a:schemeClr val="accent1"/>
-          </a:lnRef>
-          <a:fillRef idx="2">
-            <a:schemeClr val="accent1"/>
-          </a:fillRef>
-          <a:effectRef idx="1">
-            <a:schemeClr val="accent1"/>
-          </a:effectRef>
-          <a:fontRef idx="minor">
-            <a:schemeClr val="dk1"/>
-          </a:fontRef>
-        </p:style>
-        <p:txBody>
-          <a:bodyPr rtlCol="0" anchor="ctr"/>
-          <a:lstStyle/>
-          <a:p>
-            <a:pPr algn="ctr"/>
-            <a:r>
-              <a:rPr lang="en-US" dirty="0"/>
-              <a:t>Smart</a:t>
-            </a:r>
-            <a:endParaRPr lang="de-DE" dirty="0"/>
-          </a:p>
-        </p:txBody>
-      </p:sp>
-      <p:sp>
-        <p:nvSpPr>
-          <p:cNvPr id="20" name="Textfeld 19">
-            <a:extLst>
-              <a:ext uri="{FF2B5EF4-FFF2-40B4-BE49-F238E27FC236}">
-                <a16:creationId xmlns:a16="http://schemas.microsoft.com/office/drawing/2014/main" id="{62D29292-6E49-173D-7980-4BF88CAFE42D}"/>
-              </a:ext>
-            </a:extLst>
-          </p:cNvPr>
-          <p:cNvSpPr txBox="1"/>
-          <p:nvPr/>
-        </p:nvSpPr>
-        <p:spPr>
-          <a:xfrm>
-            <a:off x="1" y="-159569"/>
-            <a:ext cx="12191999" cy="1446550"/>
-          </a:xfrm>
-          <a:prstGeom prst="rect">
-            <a:avLst/>
-          </a:prstGeom>
-          <a:noFill/>
-        </p:spPr>
-        <p:txBody>
-          <a:bodyPr wrap="square" rtlCol="0">
-            <a:spAutoFit/>
-          </a:bodyPr>
-          <a:lstStyle/>
-          <a:p>
-            <a:pPr algn="r"/>
-            <a:r>
-              <a:rPr lang="de-DE" sz="8800" dirty="0" err="1">
-                <a:ln w="0"/>
-                <a:gradFill>
-                  <a:gsLst>
-                    <a:gs pos="0">
-                      <a:schemeClr val="accent5">
-                        <a:lumMod val="50000"/>
-                      </a:schemeClr>
-                    </a:gs>
-                    <a:gs pos="50000">
-                      <a:schemeClr val="accent5"/>
-                    </a:gs>
-                    <a:gs pos="100000">
-                      <a:schemeClr val="accent5">
-                        <a:lumMod val="60000"/>
-                        <a:lumOff val="40000"/>
-                      </a:schemeClr>
-                    </a:gs>
-                  </a:gsLst>
-                  <a:lin ang="5400000"/>
-                </a:gradFill>
-                <a:effectLst>
-                  <a:reflection blurRad="6350" stA="53000" endA="300" endPos="35500" dir="5400000" sy="-90000" algn="bl" rotWithShape="0"/>
-                </a:effectLst>
-              </a:rPr>
-              <a:t>ArrayList</a:t>
-            </a:r>
-            <a:endParaRPr lang="de-DE" sz="8800" dirty="0">
-              <a:ln w="0"/>
-              <a:gradFill>
-                <a:gsLst>
-                  <a:gs pos="0">
-                    <a:schemeClr val="accent5">
-                      <a:lumMod val="50000"/>
-                    </a:schemeClr>
-                  </a:gs>
-                  <a:gs pos="50000">
-                    <a:schemeClr val="accent5"/>
-                  </a:gs>
-                  <a:gs pos="100000">
-                    <a:schemeClr val="accent5">
-                      <a:lumMod val="60000"/>
-                      <a:lumOff val="40000"/>
-                    </a:schemeClr>
-                  </a:gs>
-                </a:gsLst>
-                <a:lin ang="5400000"/>
-              </a:gradFill>
-              <a:effectLst>
-                <a:reflection blurRad="6350" stA="53000" endA="300" endPos="35500" dir="5400000" sy="-90000" algn="bl" rotWithShape="0"/>
-              </a:effectLst>
-            </a:endParaRPr>
-          </a:p>
-        </p:txBody>
-      </p:sp>
-    </p:spTree>
-    <p:extLst>
-      <p:ext uri="{BB962C8B-B14F-4D97-AF65-F5344CB8AC3E}">
-        <p14:creationId xmlns:p14="http://schemas.microsoft.com/office/powerpoint/2010/main" val="1339203581"/>
-      </p:ext>
-    </p:extLst>
-  </p:cSld>
-  <p:clrMapOvr>
-    <a:masterClrMapping/>
-  </p:clrMapOvr>
-</p:sld>
-</file>
-
-<file path=ppt/slides/slide7.xml><?xml version="1.0" encoding="utf-8"?>
-<p:sld xmlns:a="http://schemas.openxmlformats.org/drawingml/2006/main" xmlns:r="http://schemas.openxmlformats.org/officeDocument/2006/relationships" xmlns:p="http://schemas.openxmlformats.org/presentationml/2006/main">
-  <p:cSld>
-    <p:spTree>
-      <p:nvGrpSpPr>
-        <p:cNvPr id="1" name=""/>
-        <p:cNvGrpSpPr/>
-        <p:nvPr/>
-      </p:nvGrpSpPr>
-      <p:grpSpPr>
-        <a:xfrm>
-          <a:off x="0" y="0"/>
-          <a:ext cx="0" cy="0"/>
-          <a:chOff x="0" y="0"/>
-          <a:chExt cx="0" cy="0"/>
-        </a:xfrm>
-      </p:grpSpPr>
-      <p:graphicFrame>
-        <p:nvGraphicFramePr>
-          <p:cNvPr id="4" name="Tabelle 4">
-            <a:extLst>
-              <a:ext uri="{FF2B5EF4-FFF2-40B4-BE49-F238E27FC236}">
-                <a16:creationId xmlns:a16="http://schemas.microsoft.com/office/drawing/2014/main" id="{FF0C0F3D-117D-C4A5-E7DB-1373DAAFA485}"/>
-              </a:ext>
-            </a:extLst>
-          </p:cNvPr>
-          <p:cNvGraphicFramePr>
-            <a:graphicFrameLocks noGrp="1"/>
-          </p:cNvGraphicFramePr>
-          <p:nvPr/>
-        </p:nvGraphicFramePr>
-        <p:xfrm>
-          <a:off x="1018988" y="1215793"/>
-          <a:ext cx="8128000" cy="370840"/>
-        </p:xfrm>
-        <a:graphic>
-          <a:graphicData uri="http://schemas.openxmlformats.org/drawingml/2006/table">
-            <a:tbl>
-              <a:tblPr firstRow="1" bandRow="1">
-                <a:tableStyleId>{5940675A-B579-460E-94D1-54222C63F5DA}</a:tableStyleId>
-              </a:tblPr>
-              <a:tblGrid>
-                <a:gridCol w="1016000">
-                  <a:extLst>
-                    <a:ext uri="{9D8B030D-6E8A-4147-A177-3AD203B41FA5}">
-                      <a16:colId xmlns:a16="http://schemas.microsoft.com/office/drawing/2014/main" val="1309359964"/>
-                    </a:ext>
-                  </a:extLst>
-                </a:gridCol>
-                <a:gridCol w="1016000">
-                  <a:extLst>
-                    <a:ext uri="{9D8B030D-6E8A-4147-A177-3AD203B41FA5}">
-                      <a16:colId xmlns:a16="http://schemas.microsoft.com/office/drawing/2014/main" val="2549030102"/>
-                    </a:ext>
-                  </a:extLst>
-                </a:gridCol>
-                <a:gridCol w="1016000">
-                  <a:extLst>
-                    <a:ext uri="{9D8B030D-6E8A-4147-A177-3AD203B41FA5}">
-                      <a16:colId xmlns:a16="http://schemas.microsoft.com/office/drawing/2014/main" val="3568220074"/>
-                    </a:ext>
-                  </a:extLst>
-                </a:gridCol>
-                <a:gridCol w="1016000">
-                  <a:extLst>
-                    <a:ext uri="{9D8B030D-6E8A-4147-A177-3AD203B41FA5}">
-                      <a16:colId xmlns:a16="http://schemas.microsoft.com/office/drawing/2014/main" val="2114664903"/>
-                    </a:ext>
-                  </a:extLst>
-                </a:gridCol>
-                <a:gridCol w="1016000">
-                  <a:extLst>
-                    <a:ext uri="{9D8B030D-6E8A-4147-A177-3AD203B41FA5}">
-                      <a16:colId xmlns:a16="http://schemas.microsoft.com/office/drawing/2014/main" val="956525025"/>
-                    </a:ext>
-                  </a:extLst>
-                </a:gridCol>
-                <a:gridCol w="1016000">
-                  <a:extLst>
-                    <a:ext uri="{9D8B030D-6E8A-4147-A177-3AD203B41FA5}">
-                      <a16:colId xmlns:a16="http://schemas.microsoft.com/office/drawing/2014/main" val="3808388077"/>
-                    </a:ext>
-                  </a:extLst>
-                </a:gridCol>
-                <a:gridCol w="1016000">
-                  <a:extLst>
-                    <a:ext uri="{9D8B030D-6E8A-4147-A177-3AD203B41FA5}">
-                      <a16:colId xmlns:a16="http://schemas.microsoft.com/office/drawing/2014/main" val="354580739"/>
-                    </a:ext>
-                  </a:extLst>
-                </a:gridCol>
-                <a:gridCol w="1016000">
-                  <a:extLst>
-                    <a:ext uri="{9D8B030D-6E8A-4147-A177-3AD203B41FA5}">
-                      <a16:colId xmlns:a16="http://schemas.microsoft.com/office/drawing/2014/main" val="2048988807"/>
-                    </a:ext>
-                  </a:extLst>
-                </a:gridCol>
-              </a:tblGrid>
-              <a:tr h="370840">
-                <a:tc>
-                  <a:txBody>
-                    <a:bodyPr/>
-                    <a:lstStyle/>
-                    <a:p>
-                      <a:pPr algn="ctr"/>
-                      <a:r>
-                        <a:rPr lang="en-US" dirty="0"/>
-                        <a:t>0</a:t>
-                      </a:r>
-                      <a:endParaRPr lang="de-DE" dirty="0"/>
-                    </a:p>
-                  </a:txBody>
-                  <a:tcPr/>
-                </a:tc>
-                <a:tc>
-                  <a:txBody>
-                    <a:bodyPr/>
-                    <a:lstStyle/>
-                    <a:p>
-                      <a:pPr algn="ctr"/>
-                      <a:r>
-                        <a:rPr lang="en-US" dirty="0"/>
-                        <a:t>1</a:t>
-                      </a:r>
-                      <a:endParaRPr lang="de-DE" dirty="0"/>
-                    </a:p>
-                  </a:txBody>
-                  <a:tcPr/>
-                </a:tc>
-                <a:tc>
-                  <a:txBody>
-                    <a:bodyPr/>
-                    <a:lstStyle/>
-                    <a:p>
-                      <a:pPr algn="ctr"/>
-                      <a:r>
-                        <a:rPr lang="en-US" dirty="0"/>
-                        <a:t>2</a:t>
-                      </a:r>
-                      <a:endParaRPr lang="de-DE" dirty="0"/>
-                    </a:p>
-                  </a:txBody>
-                  <a:tcPr/>
-                </a:tc>
-                <a:tc>
-                  <a:txBody>
-                    <a:bodyPr/>
-                    <a:lstStyle/>
-                    <a:p>
-                      <a:pPr algn="ctr"/>
-                      <a:r>
-                        <a:rPr lang="en-US" dirty="0"/>
-                        <a:t>3</a:t>
-                      </a:r>
-                      <a:endParaRPr lang="de-DE" dirty="0"/>
-                    </a:p>
-                  </a:txBody>
-                  <a:tcPr/>
-                </a:tc>
-                <a:tc>
-                  <a:txBody>
-                    <a:bodyPr/>
-                    <a:lstStyle/>
-                    <a:p>
-                      <a:pPr algn="ctr"/>
-                      <a:r>
-                        <a:rPr lang="en-US" dirty="0"/>
-                        <a:t>4</a:t>
-                      </a:r>
-                      <a:endParaRPr lang="de-DE" dirty="0"/>
-                    </a:p>
-                  </a:txBody>
-                  <a:tcPr/>
-                </a:tc>
-                <a:tc>
-                  <a:txBody>
-                    <a:bodyPr/>
-                    <a:lstStyle/>
-                    <a:p>
-                      <a:pPr algn="ctr"/>
-                      <a:r>
-                        <a:rPr lang="en-US" dirty="0"/>
-                        <a:t>5</a:t>
-                      </a:r>
-                      <a:endParaRPr lang="de-DE" dirty="0"/>
-                    </a:p>
-                  </a:txBody>
-                  <a:tcPr/>
-                </a:tc>
-                <a:tc>
-                  <a:txBody>
-                    <a:bodyPr/>
-                    <a:lstStyle/>
-                    <a:p>
-                      <a:pPr algn="ctr"/>
-                      <a:r>
-                        <a:rPr lang="en-US" dirty="0"/>
-                        <a:t>6</a:t>
-                      </a:r>
-                      <a:endParaRPr lang="de-DE" dirty="0"/>
-                    </a:p>
-                  </a:txBody>
-                  <a:tcPr/>
-                </a:tc>
-                <a:tc>
-                  <a:txBody>
-                    <a:bodyPr/>
-                    <a:lstStyle/>
-                    <a:p>
-                      <a:pPr algn="ctr"/>
-                      <a:r>
-                        <a:rPr lang="en-US" dirty="0"/>
-                        <a:t>7</a:t>
-                      </a:r>
-                      <a:endParaRPr lang="de-DE" dirty="0"/>
-                    </a:p>
-                  </a:txBody>
-                  <a:tcPr/>
-                </a:tc>
-                <a:extLst>
-                  <a:ext uri="{0D108BD9-81ED-4DB2-BD59-A6C34878D82A}">
-                    <a16:rowId xmlns:a16="http://schemas.microsoft.com/office/drawing/2014/main" val="873941668"/>
-                  </a:ext>
-                </a:extLst>
-              </a:tr>
-            </a:tbl>
-          </a:graphicData>
-        </a:graphic>
-      </p:graphicFrame>
-      <p:sp>
-        <p:nvSpPr>
-          <p:cNvPr id="11" name="Textfeld 10">
-            <a:extLst>
-              <a:ext uri="{FF2B5EF4-FFF2-40B4-BE49-F238E27FC236}">
-                <a16:creationId xmlns:a16="http://schemas.microsoft.com/office/drawing/2014/main" id="{5790D4CF-065B-0E4D-6DA2-10893D92F3DF}"/>
-              </a:ext>
-            </a:extLst>
-          </p:cNvPr>
-          <p:cNvSpPr txBox="1"/>
-          <p:nvPr/>
-        </p:nvSpPr>
-        <p:spPr>
-          <a:xfrm>
-            <a:off x="226358" y="504202"/>
-            <a:ext cx="6243918" cy="369332"/>
-          </a:xfrm>
-          <a:prstGeom prst="rect">
-            <a:avLst/>
-          </a:prstGeom>
-          <a:noFill/>
-        </p:spPr>
-        <p:txBody>
-          <a:bodyPr wrap="square">
-            <a:spAutoFit/>
-          </a:bodyPr>
-          <a:lstStyle/>
-          <a:p>
-            <a:r>
-              <a:rPr lang="de-DE" dirty="0" err="1"/>
-              <a:t>heightRose</a:t>
-            </a:r>
-            <a:endParaRPr lang="de-DE" dirty="0"/>
-          </a:p>
-        </p:txBody>
-      </p:sp>
-      <p:sp>
-        <p:nvSpPr>
-          <p:cNvPr id="12" name="Textfeld 11">
-            <a:extLst>
-              <a:ext uri="{FF2B5EF4-FFF2-40B4-BE49-F238E27FC236}">
-                <a16:creationId xmlns:a16="http://schemas.microsoft.com/office/drawing/2014/main" id="{912ABD63-EDE8-C7DC-43A8-087F7D8D2139}"/>
-              </a:ext>
-            </a:extLst>
-          </p:cNvPr>
-          <p:cNvSpPr txBox="1"/>
-          <p:nvPr/>
-        </p:nvSpPr>
-        <p:spPr>
-          <a:xfrm>
-            <a:off x="279698" y="2134316"/>
-            <a:ext cx="6243918" cy="369332"/>
-          </a:xfrm>
-          <a:prstGeom prst="rect">
-            <a:avLst/>
-          </a:prstGeom>
-          <a:noFill/>
-        </p:spPr>
-        <p:txBody>
-          <a:bodyPr wrap="square">
-            <a:spAutoFit/>
-          </a:bodyPr>
-          <a:lstStyle/>
-          <a:p>
-            <a:r>
-              <a:rPr lang="en-US" dirty="0"/>
-              <a:t>c</a:t>
-            </a:r>
-            <a:r>
-              <a:rPr lang="de-DE" dirty="0" err="1"/>
-              <a:t>ars</a:t>
-            </a:r>
-            <a:endParaRPr lang="de-DE" dirty="0"/>
-          </a:p>
-        </p:txBody>
-      </p:sp>
-      <p:graphicFrame>
-        <p:nvGraphicFramePr>
-          <p:cNvPr id="13" name="Tabelle 4">
-            <a:extLst>
-              <a:ext uri="{FF2B5EF4-FFF2-40B4-BE49-F238E27FC236}">
-                <a16:creationId xmlns:a16="http://schemas.microsoft.com/office/drawing/2014/main" id="{886143A5-6536-E66C-4A26-C5D35480A98F}"/>
-              </a:ext>
-            </a:extLst>
-          </p:cNvPr>
-          <p:cNvGraphicFramePr>
-            <a:graphicFrameLocks noGrp="1"/>
-          </p:cNvGraphicFramePr>
-          <p:nvPr/>
-        </p:nvGraphicFramePr>
-        <p:xfrm>
-          <a:off x="1018988" y="4388923"/>
-          <a:ext cx="4064000" cy="370840"/>
-        </p:xfrm>
-        <a:graphic>
-          <a:graphicData uri="http://schemas.openxmlformats.org/drawingml/2006/table">
-            <a:tbl>
-              <a:tblPr firstRow="1" bandRow="1">
-                <a:tableStyleId>{5940675A-B579-460E-94D1-54222C63F5DA}</a:tableStyleId>
-              </a:tblPr>
-              <a:tblGrid>
-                <a:gridCol w="1016000">
-                  <a:extLst>
-                    <a:ext uri="{9D8B030D-6E8A-4147-A177-3AD203B41FA5}">
-                      <a16:colId xmlns:a16="http://schemas.microsoft.com/office/drawing/2014/main" val="1309359964"/>
-                    </a:ext>
-                  </a:extLst>
-                </a:gridCol>
-                <a:gridCol w="1016000">
-                  <a:extLst>
-                    <a:ext uri="{9D8B030D-6E8A-4147-A177-3AD203B41FA5}">
-                      <a16:colId xmlns:a16="http://schemas.microsoft.com/office/drawing/2014/main" val="2549030102"/>
-                    </a:ext>
-                  </a:extLst>
-                </a:gridCol>
-                <a:gridCol w="1016000">
-                  <a:extLst>
-                    <a:ext uri="{9D8B030D-6E8A-4147-A177-3AD203B41FA5}">
-                      <a16:colId xmlns:a16="http://schemas.microsoft.com/office/drawing/2014/main" val="3568220074"/>
-                    </a:ext>
-                  </a:extLst>
-                </a:gridCol>
-                <a:gridCol w="1016000">
-                  <a:extLst>
-                    <a:ext uri="{9D8B030D-6E8A-4147-A177-3AD203B41FA5}">
-                      <a16:colId xmlns:a16="http://schemas.microsoft.com/office/drawing/2014/main" val="2114664903"/>
-                    </a:ext>
-                  </a:extLst>
-                </a:gridCol>
-              </a:tblGrid>
-              <a:tr h="370840">
-                <a:tc>
-                  <a:txBody>
-                    <a:bodyPr/>
-                    <a:lstStyle/>
-                    <a:p>
-                      <a:pPr algn="ctr"/>
-                      <a:r>
-                        <a:rPr lang="en-US" dirty="0"/>
-                        <a:t>0</a:t>
-                      </a:r>
-                      <a:endParaRPr lang="de-DE" dirty="0"/>
-                    </a:p>
-                  </a:txBody>
-                  <a:tcPr/>
-                </a:tc>
-                <a:tc>
-                  <a:txBody>
-                    <a:bodyPr/>
-                    <a:lstStyle/>
-                    <a:p>
-                      <a:pPr algn="ctr"/>
-                      <a:r>
-                        <a:rPr lang="en-US" dirty="0"/>
-                        <a:t>1</a:t>
-                      </a:r>
-                      <a:endParaRPr lang="de-DE" dirty="0"/>
-                    </a:p>
-                  </a:txBody>
-                  <a:tcPr/>
-                </a:tc>
-                <a:tc>
-                  <a:txBody>
-                    <a:bodyPr/>
-                    <a:lstStyle/>
-                    <a:p>
-                      <a:pPr algn="ctr"/>
-                      <a:r>
-                        <a:rPr lang="en-US" dirty="0"/>
-                        <a:t>2</a:t>
-                      </a:r>
-                      <a:endParaRPr lang="de-DE" dirty="0"/>
-                    </a:p>
-                  </a:txBody>
-                  <a:tcPr/>
-                </a:tc>
-                <a:tc>
-                  <a:txBody>
-                    <a:bodyPr/>
-                    <a:lstStyle/>
-                    <a:p>
-                      <a:pPr algn="ctr"/>
-                      <a:r>
-                        <a:rPr lang="en-US" dirty="0"/>
-                        <a:t>3</a:t>
-                      </a:r>
-                      <a:endParaRPr lang="de-DE" dirty="0"/>
-                    </a:p>
-                  </a:txBody>
-                  <a:tcPr/>
-                </a:tc>
-                <a:extLst>
-                  <a:ext uri="{0D108BD9-81ED-4DB2-BD59-A6C34878D82A}">
-                    <a16:rowId xmlns:a16="http://schemas.microsoft.com/office/drawing/2014/main" val="873941668"/>
-                  </a:ext>
-                </a:extLst>
-              </a:tr>
-            </a:tbl>
-          </a:graphicData>
-        </a:graphic>
-      </p:graphicFrame>
-      <p:sp>
-        <p:nvSpPr>
-          <p:cNvPr id="16" name="Denkblase: wolkenförmig 15">
-            <a:extLst>
-              <a:ext uri="{FF2B5EF4-FFF2-40B4-BE49-F238E27FC236}">
-                <a16:creationId xmlns:a16="http://schemas.microsoft.com/office/drawing/2014/main" id="{B27CA7A4-AD9C-2747-3E10-F88CF1A22130}"/>
-              </a:ext>
-            </a:extLst>
-          </p:cNvPr>
-          <p:cNvSpPr/>
-          <p:nvPr/>
-        </p:nvSpPr>
-        <p:spPr>
-          <a:xfrm>
-            <a:off x="813248" y="3084748"/>
-            <a:ext cx="1267012" cy="612648"/>
-          </a:xfrm>
-          <a:prstGeom prst="cloudCallout">
-            <a:avLst>
-              <a:gd name="adj1" fmla="val 4167"/>
-              <a:gd name="adj2" fmla="val 171953"/>
-            </a:avLst>
-          </a:prstGeom>
-        </p:spPr>
-        <p:style>
-          <a:lnRef idx="1">
-            <a:schemeClr val="accent1"/>
-          </a:lnRef>
-          <a:fillRef idx="2">
-            <a:schemeClr val="accent1"/>
-          </a:fillRef>
-          <a:effectRef idx="1">
-            <a:schemeClr val="accent1"/>
-          </a:effectRef>
-          <a:fontRef idx="minor">
-            <a:schemeClr val="dk1"/>
-          </a:fontRef>
-        </p:style>
-        <p:txBody>
-          <a:bodyPr rtlCol="0" anchor="ctr"/>
-          <a:lstStyle/>
-          <a:p>
-            <a:pPr algn="ctr"/>
-            <a:r>
-              <a:rPr lang="en-US" dirty="0" err="1"/>
-              <a:t>Volwo</a:t>
-            </a:r>
-            <a:endParaRPr lang="de-DE" dirty="0"/>
-          </a:p>
-        </p:txBody>
-      </p:sp>
-      <p:sp>
-        <p:nvSpPr>
-          <p:cNvPr id="17" name="Denkblase: wolkenförmig 16">
-            <a:extLst>
-              <a:ext uri="{FF2B5EF4-FFF2-40B4-BE49-F238E27FC236}">
-                <a16:creationId xmlns:a16="http://schemas.microsoft.com/office/drawing/2014/main" id="{431A5B84-43FA-0683-9F2F-81DCFBB73B45}"/>
-              </a:ext>
-            </a:extLst>
-          </p:cNvPr>
-          <p:cNvSpPr/>
-          <p:nvPr/>
-        </p:nvSpPr>
-        <p:spPr>
-          <a:xfrm>
-            <a:off x="2081305" y="2472100"/>
-            <a:ext cx="1267012" cy="612648"/>
-          </a:xfrm>
-          <a:prstGeom prst="cloudCallout">
-            <a:avLst>
-              <a:gd name="adj1" fmla="val 2964"/>
-              <a:gd name="adj2" fmla="val 290112"/>
-            </a:avLst>
-          </a:prstGeom>
-        </p:spPr>
-        <p:style>
-          <a:lnRef idx="1">
-            <a:schemeClr val="accent1"/>
-          </a:lnRef>
-          <a:fillRef idx="2">
-            <a:schemeClr val="accent1"/>
-          </a:fillRef>
-          <a:effectRef idx="1">
-            <a:schemeClr val="accent1"/>
-          </a:effectRef>
-          <a:fontRef idx="minor">
-            <a:schemeClr val="dk1"/>
-          </a:fontRef>
-        </p:style>
-        <p:txBody>
-          <a:bodyPr rtlCol="0" anchor="ctr"/>
-          <a:lstStyle/>
-          <a:p>
-            <a:pPr algn="ctr"/>
-            <a:r>
-              <a:rPr lang="en-US" dirty="0"/>
-              <a:t>Seat</a:t>
-            </a:r>
-            <a:endParaRPr lang="de-DE" dirty="0"/>
-          </a:p>
-        </p:txBody>
-      </p:sp>
-      <p:sp>
-        <p:nvSpPr>
-          <p:cNvPr id="18" name="Denkblase: wolkenförmig 17">
-            <a:extLst>
-              <a:ext uri="{FF2B5EF4-FFF2-40B4-BE49-F238E27FC236}">
-                <a16:creationId xmlns:a16="http://schemas.microsoft.com/office/drawing/2014/main" id="{E6075481-EA7D-BB86-57EA-B5FD5011DFC1}"/>
-              </a:ext>
-            </a:extLst>
-          </p:cNvPr>
-          <p:cNvSpPr/>
-          <p:nvPr/>
-        </p:nvSpPr>
-        <p:spPr>
-          <a:xfrm>
-            <a:off x="3228788" y="3084748"/>
-            <a:ext cx="1267012" cy="612648"/>
-          </a:xfrm>
-          <a:prstGeom prst="cloudCallout">
-            <a:avLst>
-              <a:gd name="adj1" fmla="val -10267"/>
-              <a:gd name="adj2" fmla="val 194341"/>
-            </a:avLst>
-          </a:prstGeom>
-        </p:spPr>
-        <p:style>
-          <a:lnRef idx="1">
-            <a:schemeClr val="accent1"/>
-          </a:lnRef>
-          <a:fillRef idx="2">
-            <a:schemeClr val="accent1"/>
-          </a:fillRef>
-          <a:effectRef idx="1">
-            <a:schemeClr val="accent1"/>
-          </a:effectRef>
-          <a:fontRef idx="minor">
-            <a:schemeClr val="dk1"/>
-          </a:fontRef>
-        </p:style>
-        <p:txBody>
-          <a:bodyPr rtlCol="0" anchor="ctr"/>
-          <a:lstStyle/>
-          <a:p>
-            <a:pPr algn="ctr"/>
-            <a:r>
-              <a:rPr lang="en-US" dirty="0"/>
-              <a:t>Opel</a:t>
-            </a:r>
-            <a:endParaRPr lang="de-DE" dirty="0"/>
-          </a:p>
-        </p:txBody>
-      </p:sp>
-      <p:sp>
-        <p:nvSpPr>
-          <p:cNvPr id="19" name="Denkblase: wolkenförmig 18">
-            <a:extLst>
-              <a:ext uri="{FF2B5EF4-FFF2-40B4-BE49-F238E27FC236}">
-                <a16:creationId xmlns:a16="http://schemas.microsoft.com/office/drawing/2014/main" id="{531B8C67-53C6-C6AE-7686-B47EA5C5844C}"/>
-              </a:ext>
-            </a:extLst>
-          </p:cNvPr>
-          <p:cNvSpPr/>
-          <p:nvPr/>
-        </p:nvSpPr>
-        <p:spPr>
-          <a:xfrm>
-            <a:off x="5105848" y="3025104"/>
-            <a:ext cx="1267012" cy="612648"/>
-          </a:xfrm>
-          <a:prstGeom prst="cloudCallout">
-            <a:avLst>
-              <a:gd name="adj1" fmla="val -71611"/>
-              <a:gd name="adj2" fmla="val 200560"/>
-            </a:avLst>
-          </a:prstGeom>
-        </p:spPr>
-        <p:style>
-          <a:lnRef idx="1">
-            <a:schemeClr val="accent1"/>
-          </a:lnRef>
-          <a:fillRef idx="2">
-            <a:schemeClr val="accent1"/>
-          </a:fillRef>
-          <a:effectRef idx="1">
-            <a:schemeClr val="accent1"/>
-          </a:effectRef>
-          <a:fontRef idx="minor">
-            <a:schemeClr val="dk1"/>
-          </a:fontRef>
-        </p:style>
-        <p:txBody>
-          <a:bodyPr rtlCol="0" anchor="ctr"/>
-          <a:lstStyle/>
-          <a:p>
-            <a:pPr algn="ctr"/>
-            <a:r>
-              <a:rPr lang="en-US" dirty="0"/>
-              <a:t>Smart</a:t>
-            </a:r>
-            <a:endParaRPr lang="de-DE" dirty="0"/>
-          </a:p>
-        </p:txBody>
-      </p:sp>
-      <p:sp>
-        <p:nvSpPr>
-          <p:cNvPr id="20" name="Textfeld 19">
-            <a:extLst>
-              <a:ext uri="{FF2B5EF4-FFF2-40B4-BE49-F238E27FC236}">
-                <a16:creationId xmlns:a16="http://schemas.microsoft.com/office/drawing/2014/main" id="{62D29292-6E49-173D-7980-4BF88CAFE42D}"/>
-              </a:ext>
-            </a:extLst>
-          </p:cNvPr>
-          <p:cNvSpPr txBox="1"/>
-          <p:nvPr/>
-        </p:nvSpPr>
-        <p:spPr>
-          <a:xfrm>
-            <a:off x="1" y="-159569"/>
-            <a:ext cx="12191999" cy="1446550"/>
-          </a:xfrm>
-          <a:prstGeom prst="rect">
-            <a:avLst/>
-          </a:prstGeom>
-          <a:noFill/>
-        </p:spPr>
-        <p:txBody>
-          <a:bodyPr wrap="square" rtlCol="0">
-            <a:spAutoFit/>
-          </a:bodyPr>
-          <a:lstStyle/>
-          <a:p>
-            <a:pPr algn="r"/>
-            <a:r>
-              <a:rPr lang="de-DE" sz="8800" dirty="0" err="1">
-                <a:ln w="0"/>
-                <a:gradFill>
-                  <a:gsLst>
-                    <a:gs pos="0">
-                      <a:schemeClr val="accent5">
-                        <a:lumMod val="50000"/>
-                      </a:schemeClr>
-                    </a:gs>
-                    <a:gs pos="50000">
-                      <a:schemeClr val="accent5"/>
-                    </a:gs>
-                    <a:gs pos="100000">
-                      <a:schemeClr val="accent5">
-                        <a:lumMod val="60000"/>
-                        <a:lumOff val="40000"/>
-                      </a:schemeClr>
-                    </a:gs>
-                  </a:gsLst>
-                  <a:lin ang="5400000"/>
-                </a:gradFill>
-                <a:effectLst>
-                  <a:reflection blurRad="6350" stA="53000" endA="300" endPos="35500" dir="5400000" sy="-90000" algn="bl" rotWithShape="0"/>
-                </a:effectLst>
-              </a:rPr>
-              <a:t>ArrayList</a:t>
-            </a:r>
-            <a:endParaRPr lang="de-DE" sz="8800" dirty="0">
-              <a:ln w="0"/>
-              <a:gradFill>
-                <a:gsLst>
-                  <a:gs pos="0">
-                    <a:schemeClr val="accent5">
-                      <a:lumMod val="50000"/>
-                    </a:schemeClr>
-                  </a:gs>
-                  <a:gs pos="50000">
-                    <a:schemeClr val="accent5"/>
-                  </a:gs>
-                  <a:gs pos="100000">
-                    <a:schemeClr val="accent5">
-                      <a:lumMod val="60000"/>
-                      <a:lumOff val="40000"/>
-                    </a:schemeClr>
-                  </a:gs>
-                </a:gsLst>
-                <a:lin ang="5400000"/>
-              </a:gradFill>
-              <a:effectLst>
-                <a:reflection blurRad="6350" stA="53000" endA="300" endPos="35500" dir="5400000" sy="-90000" algn="bl" rotWithShape="0"/>
-              </a:effectLst>
-            </a:endParaRPr>
-          </a:p>
-        </p:txBody>
-      </p:sp>
-    </p:spTree>
-    <p:extLst>
-      <p:ext uri="{BB962C8B-B14F-4D97-AF65-F5344CB8AC3E}">
-        <p14:creationId xmlns:p14="http://schemas.microsoft.com/office/powerpoint/2010/main" val="4020019325"/>
-      </p:ext>
-    </p:extLst>
-  </p:cSld>
-  <p:clrMapOvr>
-    <a:masterClrMapping/>
-  </p:clrMapOvr>
-</p:sld>
-</file>
-
-<file path=ppt/slides/slide8.xml><?xml version="1.0" encoding="utf-8"?>
-<p:sld xmlns:a="http://schemas.openxmlformats.org/drawingml/2006/main" xmlns:r="http://schemas.openxmlformats.org/officeDocument/2006/relationships" xmlns:p="http://schemas.openxmlformats.org/presentationml/2006/main">
-  <p:cSld>
-    <p:spTree>
-      <p:nvGrpSpPr>
-        <p:cNvPr id="1" name=""/>
-        <p:cNvGrpSpPr/>
-        <p:nvPr/>
-      </p:nvGrpSpPr>
-      <p:grpSpPr>
-        <a:xfrm>
-          <a:off x="0" y="0"/>
-          <a:ext cx="0" cy="0"/>
-          <a:chOff x="0" y="0"/>
-          <a:chExt cx="0" cy="0"/>
-        </a:xfrm>
-      </p:grpSpPr>
-      <p:sp>
-        <p:nvSpPr>
-          <p:cNvPr id="12" name="Textfeld 11">
-            <a:extLst>
-              <a:ext uri="{FF2B5EF4-FFF2-40B4-BE49-F238E27FC236}">
-                <a16:creationId xmlns:a16="http://schemas.microsoft.com/office/drawing/2014/main" id="{912ABD63-EDE8-C7DC-43A8-087F7D8D2139}"/>
-              </a:ext>
-            </a:extLst>
-          </p:cNvPr>
-          <p:cNvSpPr txBox="1"/>
-          <p:nvPr/>
-        </p:nvSpPr>
-        <p:spPr>
-          <a:xfrm>
-            <a:off x="132229" y="285981"/>
-            <a:ext cx="6243918" cy="369332"/>
-          </a:xfrm>
-          <a:prstGeom prst="rect">
-            <a:avLst/>
-          </a:prstGeom>
-          <a:noFill/>
-        </p:spPr>
-        <p:txBody>
-          <a:bodyPr wrap="square">
-            <a:spAutoFit/>
-          </a:bodyPr>
-          <a:lstStyle/>
-          <a:p>
-            <a:r>
-              <a:rPr lang="en-US" dirty="0" err="1"/>
-              <a:t>ArrayList</a:t>
-            </a:r>
-            <a:endParaRPr lang="de-DE" dirty="0"/>
-          </a:p>
-        </p:txBody>
-      </p:sp>
-      <p:graphicFrame>
-        <p:nvGraphicFramePr>
-          <p:cNvPr id="13" name="Tabelle 4">
-            <a:extLst>
-              <a:ext uri="{FF2B5EF4-FFF2-40B4-BE49-F238E27FC236}">
-                <a16:creationId xmlns:a16="http://schemas.microsoft.com/office/drawing/2014/main" id="{886143A5-6536-E66C-4A26-C5D35480A98F}"/>
-              </a:ext>
-            </a:extLst>
-          </p:cNvPr>
-          <p:cNvGraphicFramePr>
-            <a:graphicFrameLocks noGrp="1"/>
-          </p:cNvGraphicFramePr>
-          <p:nvPr>
-            <p:extLst>
-              <p:ext uri="{D42A27DB-BD31-4B8C-83A1-F6EECF244321}">
-                <p14:modId xmlns:p14="http://schemas.microsoft.com/office/powerpoint/2010/main" val="2234360254"/>
-              </p:ext>
-            </p:extLst>
-          </p:nvPr>
-        </p:nvGraphicFramePr>
-        <p:xfrm>
-          <a:off x="893482" y="820970"/>
-          <a:ext cx="4064000" cy="370840"/>
-        </p:xfrm>
-        <a:graphic>
-          <a:graphicData uri="http://schemas.openxmlformats.org/drawingml/2006/table">
-            <a:tbl>
-              <a:tblPr firstRow="1" bandRow="1">
-                <a:tableStyleId>{5940675A-B579-460E-94D1-54222C63F5DA}</a:tableStyleId>
-              </a:tblPr>
-              <a:tblGrid>
-                <a:gridCol w="1016000">
-                  <a:extLst>
-                    <a:ext uri="{9D8B030D-6E8A-4147-A177-3AD203B41FA5}">
-                      <a16:colId xmlns:a16="http://schemas.microsoft.com/office/drawing/2014/main" val="1309359964"/>
-                    </a:ext>
-                  </a:extLst>
-                </a:gridCol>
-                <a:gridCol w="1016000">
-                  <a:extLst>
-                    <a:ext uri="{9D8B030D-6E8A-4147-A177-3AD203B41FA5}">
-                      <a16:colId xmlns:a16="http://schemas.microsoft.com/office/drawing/2014/main" val="2549030102"/>
-                    </a:ext>
-                  </a:extLst>
-                </a:gridCol>
-                <a:gridCol w="1016000">
-                  <a:extLst>
-                    <a:ext uri="{9D8B030D-6E8A-4147-A177-3AD203B41FA5}">
-                      <a16:colId xmlns:a16="http://schemas.microsoft.com/office/drawing/2014/main" val="3568220074"/>
-                    </a:ext>
-                  </a:extLst>
-                </a:gridCol>
-                <a:gridCol w="1016000">
-                  <a:extLst>
-                    <a:ext uri="{9D8B030D-6E8A-4147-A177-3AD203B41FA5}">
-                      <a16:colId xmlns:a16="http://schemas.microsoft.com/office/drawing/2014/main" val="2114664903"/>
-                    </a:ext>
-                  </a:extLst>
-                </a:gridCol>
-              </a:tblGrid>
-              <a:tr h="370840">
-                <a:tc>
-                  <a:txBody>
-                    <a:bodyPr/>
-                    <a:lstStyle/>
-                    <a:p>
-                      <a:pPr algn="ctr"/>
-                      <a:r>
-                        <a:rPr lang="en-US" dirty="0" err="1"/>
-                        <a:t>Volwo</a:t>
-                      </a:r>
-                      <a:endParaRPr lang="de-DE" dirty="0"/>
-                    </a:p>
-                  </a:txBody>
-                  <a:tcPr/>
-                </a:tc>
-                <a:tc>
-                  <a:txBody>
-                    <a:bodyPr/>
-                    <a:lstStyle/>
-                    <a:p>
-                      <a:pPr algn="ctr"/>
-                      <a:r>
-                        <a:rPr lang="en-US" dirty="0"/>
-                        <a:t>Seat</a:t>
-                      </a:r>
-                      <a:endParaRPr lang="de-DE" dirty="0"/>
-                    </a:p>
-                  </a:txBody>
-                  <a:tcPr/>
-                </a:tc>
-                <a:tc>
-                  <a:txBody>
-                    <a:bodyPr/>
-                    <a:lstStyle/>
-                    <a:p>
-                      <a:pPr algn="ctr"/>
-                      <a:r>
-                        <a:rPr lang="en-US" dirty="0"/>
-                        <a:t>Opel</a:t>
-                      </a:r>
-                      <a:endParaRPr lang="de-DE" dirty="0"/>
-                    </a:p>
-                  </a:txBody>
-                  <a:tcPr/>
-                </a:tc>
-                <a:tc>
-                  <a:txBody>
-                    <a:bodyPr/>
-                    <a:lstStyle/>
-                    <a:p>
-                      <a:pPr algn="ctr"/>
-                      <a:r>
-                        <a:rPr lang="en-US" dirty="0"/>
-                        <a:t>Smart</a:t>
-                      </a:r>
-                      <a:endParaRPr lang="de-DE" dirty="0"/>
-                    </a:p>
-                  </a:txBody>
-                  <a:tcPr/>
-                </a:tc>
-                <a:extLst>
-                  <a:ext uri="{0D108BD9-81ED-4DB2-BD59-A6C34878D82A}">
-                    <a16:rowId xmlns:a16="http://schemas.microsoft.com/office/drawing/2014/main" val="873941668"/>
-                  </a:ext>
-                </a:extLst>
-              </a:tr>
-            </a:tbl>
-          </a:graphicData>
-        </a:graphic>
-      </p:graphicFrame>
-      <p:sp>
-        <p:nvSpPr>
-          <p:cNvPr id="2" name="Rechteck 1">
-            <a:extLst>
-              <a:ext uri="{FF2B5EF4-FFF2-40B4-BE49-F238E27FC236}">
-                <a16:creationId xmlns:a16="http://schemas.microsoft.com/office/drawing/2014/main" id="{E5534089-F509-DCD7-BFBD-127E5E0B7A8D}"/>
-              </a:ext>
-            </a:extLst>
-          </p:cNvPr>
-          <p:cNvSpPr/>
-          <p:nvPr/>
-        </p:nvSpPr>
-        <p:spPr>
-          <a:xfrm>
-            <a:off x="893482" y="3043517"/>
-            <a:ext cx="1667435" cy="770965"/>
-          </a:xfrm>
-          <a:prstGeom prst="rect">
-            <a:avLst/>
-          </a:prstGeom>
-        </p:spPr>
-        <p:style>
-          <a:lnRef idx="2">
-            <a:schemeClr val="accent6"/>
-          </a:lnRef>
-          <a:fillRef idx="1">
-            <a:schemeClr val="lt1"/>
-          </a:fillRef>
-          <a:effectRef idx="0">
-            <a:schemeClr val="accent6"/>
-          </a:effectRef>
-          <a:fontRef idx="minor">
-            <a:schemeClr val="dk1"/>
-          </a:fontRef>
-        </p:style>
-        <p:txBody>
-          <a:bodyPr rtlCol="0" anchor="ctr"/>
-          <a:lstStyle/>
-          <a:p>
-            <a:pPr algn="ctr"/>
-            <a:r>
-              <a:rPr lang="en-US" dirty="0" err="1"/>
-              <a:t>Volwo</a:t>
-            </a:r>
-            <a:endParaRPr lang="de-DE" dirty="0"/>
-          </a:p>
-        </p:txBody>
-      </p:sp>
-      <p:sp>
-        <p:nvSpPr>
-          <p:cNvPr id="6" name="Rechteck 5">
-            <a:extLst>
-              <a:ext uri="{FF2B5EF4-FFF2-40B4-BE49-F238E27FC236}">
-                <a16:creationId xmlns:a16="http://schemas.microsoft.com/office/drawing/2014/main" id="{53E8993D-A9DB-D4EE-89AA-18D6139AC8EA}"/>
-              </a:ext>
-            </a:extLst>
-          </p:cNvPr>
-          <p:cNvSpPr/>
-          <p:nvPr/>
-        </p:nvSpPr>
-        <p:spPr>
-          <a:xfrm>
-            <a:off x="3290047" y="4473388"/>
-            <a:ext cx="1667435" cy="770965"/>
-          </a:xfrm>
-          <a:prstGeom prst="rect">
-            <a:avLst/>
-          </a:prstGeom>
-        </p:spPr>
-        <p:style>
-          <a:lnRef idx="2">
-            <a:schemeClr val="accent6"/>
-          </a:lnRef>
-          <a:fillRef idx="1">
-            <a:schemeClr val="lt1"/>
-          </a:fillRef>
-          <a:effectRef idx="0">
-            <a:schemeClr val="accent6"/>
-          </a:effectRef>
-          <a:fontRef idx="minor">
-            <a:schemeClr val="dk1"/>
-          </a:fontRef>
-        </p:style>
-        <p:txBody>
-          <a:bodyPr rtlCol="0" anchor="ctr"/>
-          <a:lstStyle/>
-          <a:p>
-            <a:pPr algn="ctr"/>
-            <a:r>
-              <a:rPr lang="en-US" dirty="0"/>
-              <a:t>Seat</a:t>
-            </a:r>
-            <a:endParaRPr lang="de-DE" dirty="0"/>
-          </a:p>
-        </p:txBody>
-      </p:sp>
-      <p:sp>
-        <p:nvSpPr>
-          <p:cNvPr id="8" name="Rechteck 7">
-            <a:extLst>
-              <a:ext uri="{FF2B5EF4-FFF2-40B4-BE49-F238E27FC236}">
-                <a16:creationId xmlns:a16="http://schemas.microsoft.com/office/drawing/2014/main" id="{2EC7209C-6369-9857-7163-0E87F922C38D}"/>
-              </a:ext>
-            </a:extLst>
-          </p:cNvPr>
-          <p:cNvSpPr/>
-          <p:nvPr/>
-        </p:nvSpPr>
-        <p:spPr>
-          <a:xfrm>
-            <a:off x="5844988" y="2723885"/>
-            <a:ext cx="1667435" cy="770965"/>
-          </a:xfrm>
-          <a:prstGeom prst="rect">
-            <a:avLst/>
-          </a:prstGeom>
-        </p:spPr>
-        <p:style>
-          <a:lnRef idx="2">
-            <a:schemeClr val="accent6"/>
-          </a:lnRef>
-          <a:fillRef idx="1">
-            <a:schemeClr val="lt1"/>
-          </a:fillRef>
-          <a:effectRef idx="0">
-            <a:schemeClr val="accent6"/>
-          </a:effectRef>
-          <a:fontRef idx="minor">
-            <a:schemeClr val="dk1"/>
-          </a:fontRef>
-        </p:style>
-        <p:txBody>
-          <a:bodyPr rtlCol="0" anchor="ctr"/>
-          <a:lstStyle/>
-          <a:p>
-            <a:pPr algn="ctr"/>
-            <a:r>
-              <a:rPr lang="en-US" dirty="0"/>
-              <a:t>Opel</a:t>
-            </a:r>
-            <a:endParaRPr lang="de-DE" dirty="0"/>
-          </a:p>
-        </p:txBody>
-      </p:sp>
-      <p:sp>
-        <p:nvSpPr>
-          <p:cNvPr id="9" name="Rechteck 8">
-            <a:extLst>
-              <a:ext uri="{FF2B5EF4-FFF2-40B4-BE49-F238E27FC236}">
-                <a16:creationId xmlns:a16="http://schemas.microsoft.com/office/drawing/2014/main" id="{A9B7F7D0-4E1D-1F57-6C44-0C1668012F34}"/>
-              </a:ext>
-            </a:extLst>
-          </p:cNvPr>
-          <p:cNvSpPr/>
-          <p:nvPr/>
-        </p:nvSpPr>
-        <p:spPr>
-          <a:xfrm>
-            <a:off x="7969623" y="3917576"/>
-            <a:ext cx="1667435" cy="770965"/>
-          </a:xfrm>
-          <a:prstGeom prst="rect">
-            <a:avLst/>
-          </a:prstGeom>
-        </p:spPr>
-        <p:style>
-          <a:lnRef idx="2">
-            <a:schemeClr val="accent6"/>
-          </a:lnRef>
-          <a:fillRef idx="1">
-            <a:schemeClr val="lt1"/>
-          </a:fillRef>
-          <a:effectRef idx="0">
-            <a:schemeClr val="accent6"/>
-          </a:effectRef>
-          <a:fontRef idx="minor">
-            <a:schemeClr val="dk1"/>
-          </a:fontRef>
-        </p:style>
-        <p:txBody>
-          <a:bodyPr rtlCol="0" anchor="ctr"/>
-          <a:lstStyle/>
-          <a:p>
-            <a:pPr algn="ctr"/>
-            <a:r>
-              <a:rPr lang="en-US" dirty="0"/>
-              <a:t>Smart</a:t>
-            </a:r>
-            <a:endParaRPr lang="de-DE" dirty="0"/>
-          </a:p>
-        </p:txBody>
-      </p:sp>
-      <p:cxnSp>
-        <p:nvCxnSpPr>
-          <p:cNvPr id="14" name="Verbinder: gewinkelt 13">
-            <a:extLst>
-              <a:ext uri="{FF2B5EF4-FFF2-40B4-BE49-F238E27FC236}">
-                <a16:creationId xmlns:a16="http://schemas.microsoft.com/office/drawing/2014/main" id="{F862AF15-B628-3A0C-34A3-40A2D3EFC49E}"/>
-              </a:ext>
-            </a:extLst>
-          </p:cNvPr>
-          <p:cNvCxnSpPr>
-            <a:cxnSpLocks/>
-            <a:stCxn id="2" idx="3"/>
-            <a:endCxn id="6" idx="1"/>
-          </p:cNvCxnSpPr>
-          <p:nvPr/>
-        </p:nvCxnSpPr>
-        <p:spPr>
-          <a:xfrm>
-            <a:off x="2560917" y="3429000"/>
-            <a:ext cx="729130" cy="1429871"/>
-          </a:xfrm>
-          <a:prstGeom prst="bentConnector3">
-            <a:avLst>
-              <a:gd name="adj1" fmla="val 50000"/>
-            </a:avLst>
-          </a:prstGeom>
-          <a:ln>
-            <a:tailEnd type="triangle"/>
-          </a:ln>
-        </p:spPr>
-        <p:style>
-          <a:lnRef idx="1">
-            <a:schemeClr val="accent1"/>
-          </a:lnRef>
-          <a:fillRef idx="0">
-            <a:schemeClr val="accent1"/>
-          </a:fillRef>
-          <a:effectRef idx="0">
-            <a:schemeClr val="accent1"/>
-          </a:effectRef>
-          <a:fontRef idx="minor">
-            <a:schemeClr val="tx1"/>
-          </a:fontRef>
-        </p:style>
-      </p:cxnSp>
-      <p:cxnSp>
-        <p:nvCxnSpPr>
-          <p:cNvPr id="15" name="Verbinder: gewinkelt 14">
-            <a:extLst>
-              <a:ext uri="{FF2B5EF4-FFF2-40B4-BE49-F238E27FC236}">
-                <a16:creationId xmlns:a16="http://schemas.microsoft.com/office/drawing/2014/main" id="{17DC894A-C0CE-21F1-9216-C80CD39A784D}"/>
-              </a:ext>
-            </a:extLst>
-          </p:cNvPr>
-          <p:cNvCxnSpPr>
-            <a:cxnSpLocks/>
-            <a:stCxn id="6" idx="3"/>
-            <a:endCxn id="8" idx="1"/>
-          </p:cNvCxnSpPr>
-          <p:nvPr/>
-        </p:nvCxnSpPr>
-        <p:spPr>
-          <a:xfrm flipV="1">
-            <a:off x="4957482" y="3109368"/>
-            <a:ext cx="887506" cy="1749503"/>
-          </a:xfrm>
-          <a:prstGeom prst="bentConnector3">
-            <a:avLst>
-              <a:gd name="adj1" fmla="val 50000"/>
-            </a:avLst>
-          </a:prstGeom>
-          <a:ln>
-            <a:tailEnd type="triangle"/>
-          </a:ln>
-        </p:spPr>
-        <p:style>
-          <a:lnRef idx="1">
-            <a:schemeClr val="accent1"/>
-          </a:lnRef>
-          <a:fillRef idx="0">
-            <a:schemeClr val="accent1"/>
-          </a:fillRef>
-          <a:effectRef idx="0">
-            <a:schemeClr val="accent1"/>
-          </a:effectRef>
-          <a:fontRef idx="minor">
-            <a:schemeClr val="tx1"/>
-          </a:fontRef>
-        </p:style>
-      </p:cxnSp>
-      <p:cxnSp>
-        <p:nvCxnSpPr>
-          <p:cNvPr id="19" name="Verbinder: gewinkelt 18">
-            <a:extLst>
-              <a:ext uri="{FF2B5EF4-FFF2-40B4-BE49-F238E27FC236}">
-                <a16:creationId xmlns:a16="http://schemas.microsoft.com/office/drawing/2014/main" id="{56F34153-857F-49BE-EDC5-AD757F00033E}"/>
-              </a:ext>
-            </a:extLst>
-          </p:cNvPr>
-          <p:cNvCxnSpPr>
-            <a:cxnSpLocks/>
-            <a:stCxn id="8" idx="3"/>
-            <a:endCxn id="9" idx="1"/>
-          </p:cNvCxnSpPr>
-          <p:nvPr/>
-        </p:nvCxnSpPr>
-        <p:spPr>
-          <a:xfrm>
-            <a:off x="7512423" y="3109368"/>
-            <a:ext cx="457200" cy="1193691"/>
-          </a:xfrm>
-          <a:prstGeom prst="bentConnector3">
-            <a:avLst>
-              <a:gd name="adj1" fmla="val 50000"/>
-            </a:avLst>
-          </a:prstGeom>
-          <a:ln>
-            <a:tailEnd type="triangle"/>
-          </a:ln>
-        </p:spPr>
-        <p:style>
-          <a:lnRef idx="1">
-            <a:schemeClr val="accent1"/>
-          </a:lnRef>
-          <a:fillRef idx="0">
-            <a:schemeClr val="accent1"/>
-          </a:fillRef>
-          <a:effectRef idx="0">
-            <a:schemeClr val="accent1"/>
-          </a:effectRef>
-          <a:fontRef idx="minor">
-            <a:schemeClr val="tx1"/>
-          </a:fontRef>
-        </p:style>
-      </p:cxnSp>
-      <p:sp>
-        <p:nvSpPr>
-          <p:cNvPr id="25" name="Textfeld 24">
-            <a:extLst>
-              <a:ext uri="{FF2B5EF4-FFF2-40B4-BE49-F238E27FC236}">
-                <a16:creationId xmlns:a16="http://schemas.microsoft.com/office/drawing/2014/main" id="{67F69D9D-2D9E-FAE6-A2AC-CCB7882A18C2}"/>
-              </a:ext>
-            </a:extLst>
-          </p:cNvPr>
-          <p:cNvSpPr txBox="1"/>
-          <p:nvPr/>
-        </p:nvSpPr>
-        <p:spPr>
-          <a:xfrm>
-            <a:off x="132229" y="1756407"/>
-            <a:ext cx="6243918" cy="369332"/>
-          </a:xfrm>
-          <a:prstGeom prst="rect">
-            <a:avLst/>
-          </a:prstGeom>
-          <a:noFill/>
-        </p:spPr>
-        <p:txBody>
-          <a:bodyPr wrap="square">
-            <a:spAutoFit/>
-          </a:bodyPr>
-          <a:lstStyle/>
-          <a:p>
-            <a:r>
-              <a:rPr lang="en-US" dirty="0"/>
-              <a:t>LinkedList</a:t>
-            </a:r>
-            <a:endParaRPr lang="de-DE" dirty="0"/>
-          </a:p>
-        </p:txBody>
-      </p:sp>
-      <p:sp>
-        <p:nvSpPr>
-          <p:cNvPr id="26" name="Textfeld 25">
-            <a:extLst>
-              <a:ext uri="{FF2B5EF4-FFF2-40B4-BE49-F238E27FC236}">
-                <a16:creationId xmlns:a16="http://schemas.microsoft.com/office/drawing/2014/main" id="{82DCD30E-0513-6237-E672-F1CCA8CB6B7D}"/>
-              </a:ext>
-            </a:extLst>
-          </p:cNvPr>
-          <p:cNvSpPr txBox="1"/>
-          <p:nvPr/>
-        </p:nvSpPr>
-        <p:spPr>
-          <a:xfrm>
-            <a:off x="1" y="-159569"/>
-            <a:ext cx="12191999" cy="1446550"/>
-          </a:xfrm>
-          <a:prstGeom prst="rect">
-            <a:avLst/>
-          </a:prstGeom>
-          <a:noFill/>
-        </p:spPr>
-        <p:txBody>
-          <a:bodyPr wrap="square" rtlCol="0">
-            <a:spAutoFit/>
-          </a:bodyPr>
-          <a:lstStyle/>
-          <a:p>
-            <a:pPr algn="r"/>
-            <a:r>
-              <a:rPr lang="de-DE" sz="8800" dirty="0" err="1">
-                <a:ln w="0"/>
-                <a:gradFill>
-                  <a:gsLst>
-                    <a:gs pos="0">
-                      <a:schemeClr val="accent5">
-                        <a:lumMod val="50000"/>
-                      </a:schemeClr>
-                    </a:gs>
-                    <a:gs pos="50000">
-                      <a:schemeClr val="accent5"/>
-                    </a:gs>
-                    <a:gs pos="100000">
-                      <a:schemeClr val="accent5">
-                        <a:lumMod val="60000"/>
-                        <a:lumOff val="40000"/>
-                      </a:schemeClr>
-                    </a:gs>
-                  </a:gsLst>
-                  <a:lin ang="5400000"/>
-                </a:gradFill>
-                <a:effectLst>
-                  <a:reflection blurRad="6350" stA="53000" endA="300" endPos="35500" dir="5400000" sy="-90000" algn="bl" rotWithShape="0"/>
-                </a:effectLst>
-              </a:rPr>
-              <a:t>LinkedList</a:t>
-            </a:r>
-            <a:r>
-              <a:rPr lang="de-DE" sz="8800" dirty="0">
-                <a:ln w="0"/>
-                <a:gradFill>
-                  <a:gsLst>
-                    <a:gs pos="0">
-                      <a:schemeClr val="accent5">
-                        <a:lumMod val="50000"/>
-                      </a:schemeClr>
-                    </a:gs>
-                    <a:gs pos="50000">
-                      <a:schemeClr val="accent5"/>
-                    </a:gs>
-                    <a:gs pos="100000">
-                      <a:schemeClr val="accent5">
-                        <a:lumMod val="60000"/>
-                        <a:lumOff val="40000"/>
-                      </a:schemeClr>
-                    </a:gs>
-                  </a:gsLst>
-                  <a:lin ang="5400000"/>
-                </a:gradFill>
-                <a:effectLst>
-                  <a:reflection blurRad="6350" stA="53000" endA="300" endPos="35500" dir="5400000" sy="-90000" algn="bl" rotWithShape="0"/>
-                </a:effectLst>
-              </a:rPr>
-              <a:t> </a:t>
-            </a:r>
-          </a:p>
-        </p:txBody>
-      </p:sp>
-    </p:spTree>
-    <p:extLst>
-      <p:ext uri="{BB962C8B-B14F-4D97-AF65-F5344CB8AC3E}">
-        <p14:creationId xmlns:p14="http://schemas.microsoft.com/office/powerpoint/2010/main" val="2440958179"/>
-      </p:ext>
-    </p:extLst>
-  </p:cSld>
-  <p:clrMapOvr>
-    <a:masterClrMapping/>
-  </p:clrMapOvr>
-</p:sld>
-</file>
-
-<file path=ppt/slides/slide9.xml><?xml version="1.0" encoding="utf-8"?>
-<p:sld xmlns:a="http://schemas.openxmlformats.org/drawingml/2006/main" xmlns:r="http://schemas.openxmlformats.org/officeDocument/2006/relationships" xmlns:p="http://schemas.openxmlformats.org/presentationml/2006/main">
-  <p:cSld>
-    <p:spTree>
-      <p:nvGrpSpPr>
-        <p:cNvPr id="1" name=""/>
-        <p:cNvGrpSpPr/>
-        <p:nvPr/>
-      </p:nvGrpSpPr>
-      <p:grpSpPr>
-        <a:xfrm>
-          <a:off x="0" y="0"/>
-          <a:ext cx="0" cy="0"/>
-          <a:chOff x="0" y="0"/>
-          <a:chExt cx="0" cy="0"/>
-        </a:xfrm>
-      </p:grpSpPr>
-      <p:sp>
-        <p:nvSpPr>
-          <p:cNvPr id="2" name="Titel 1">
-            <a:extLst>
-              <a:ext uri="{FF2B5EF4-FFF2-40B4-BE49-F238E27FC236}">
-                <a16:creationId xmlns:a16="http://schemas.microsoft.com/office/drawing/2014/main" id="{F0702755-8600-0C98-8DFF-FA6DA638548F}"/>
-              </a:ext>
-            </a:extLst>
-          </p:cNvPr>
-          <p:cNvSpPr>
-            <a:spLocks noGrp="1"/>
-          </p:cNvSpPr>
-          <p:nvPr>
-            <p:ph type="title"/>
-          </p:nvPr>
-        </p:nvSpPr>
-        <p:spPr/>
-        <p:txBody>
-          <a:bodyPr/>
-          <a:lstStyle/>
-          <a:p>
-            <a:r>
-              <a:rPr lang="de-DE" dirty="0" err="1"/>
-              <a:t>Osnova</a:t>
-            </a:r>
-            <a:endParaRPr lang="de-DE" dirty="0"/>
-          </a:p>
-        </p:txBody>
-      </p:sp>
-      <p:sp>
-        <p:nvSpPr>
-          <p:cNvPr id="3" name="Inhaltsplatzhalter 2">
-            <a:extLst>
-              <a:ext uri="{FF2B5EF4-FFF2-40B4-BE49-F238E27FC236}">
-                <a16:creationId xmlns:a16="http://schemas.microsoft.com/office/drawing/2014/main" id="{9FF92CDA-ED1D-B1E1-4597-F2E1620BC251}"/>
-              </a:ext>
-            </a:extLst>
-          </p:cNvPr>
-          <p:cNvSpPr>
-            <a:spLocks noGrp="1"/>
-          </p:cNvSpPr>
-          <p:nvPr>
-            <p:ph idx="1"/>
-          </p:nvPr>
-        </p:nvSpPr>
-        <p:spPr/>
-        <p:txBody>
-          <a:bodyPr/>
-          <a:lstStyle/>
-          <a:p>
-            <a:pPr marL="457200" indent="-457200">
-              <a:buFont typeface="+mj-lt"/>
-              <a:buAutoNum type="arabicParenR"/>
-            </a:pPr>
-            <a:r>
-              <a:rPr lang="de-DE" dirty="0"/>
-              <a:t>Pole</a:t>
-            </a:r>
-          </a:p>
-          <a:p>
-            <a:pPr marL="457200" indent="-457200">
-              <a:buFont typeface="+mj-lt"/>
-              <a:buAutoNum type="arabicParenR"/>
-            </a:pPr>
-            <a:r>
-              <a:rPr lang="de-DE" dirty="0" err="1"/>
-              <a:t>Kolekce</a:t>
-            </a:r>
-            <a:endParaRPr lang="de-DE" dirty="0"/>
-          </a:p>
-          <a:p>
-            <a:pPr marL="457200" indent="-457200">
-              <a:buFont typeface="+mj-lt"/>
-              <a:buAutoNum type="arabicParenR"/>
-            </a:pPr>
-            <a:r>
-              <a:rPr lang="de-DE" b="1" dirty="0">
-                <a:solidFill>
-                  <a:schemeClr val="accent1"/>
-                </a:solidFill>
-              </a:rPr>
-              <a:t>Stream API</a:t>
-            </a:r>
-          </a:p>
-          <a:p>
-            <a:pPr marL="457200" indent="-457200">
-              <a:buFont typeface="+mj-lt"/>
-              <a:buAutoNum type="arabicParenR"/>
-            </a:pPr>
-            <a:r>
-              <a:rPr lang="de-DE" dirty="0"/>
-              <a:t>Projekt</a:t>
-            </a:r>
-          </a:p>
-        </p:txBody>
-      </p:sp>
-    </p:spTree>
-    <p:extLst>
-      <p:ext uri="{BB962C8B-B14F-4D97-AF65-F5344CB8AC3E}">
-        <p14:creationId xmlns:p14="http://schemas.microsoft.com/office/powerpoint/2010/main" val="3513794624"/>
-      </p:ext>
-    </p:extLst>
-  </p:cSld>
-  <p:clrMapOvr>
-    <a:masterClrMapping/>
-  </p:clrMapOvr>
 </p:sld>
 </file>
 
